--- a/presentations/venue/nagykeri_bence/nagykeri_bence_prezi.pptx
+++ b/presentations/venue/nagykeri_bence/nagykeri_bence_prezi.pptx
@@ -5,7 +5,7 @@
     <p:sldMasterId id="2147483660" r:id="rId4"/>
   </p:sldMasterIdLst>
   <p:notesMasterIdLst>
-    <p:notesMasterId r:id="rId13"/>
+    <p:notesMasterId r:id="rId14"/>
   </p:notesMasterIdLst>
   <p:sldIdLst>
     <p:sldId id="257" r:id="rId5"/>
@@ -14,8 +14,9 @@
     <p:sldId id="260" r:id="rId8"/>
     <p:sldId id="261" r:id="rId9"/>
     <p:sldId id="262" r:id="rId10"/>
-    <p:sldId id="263" r:id="rId11"/>
-    <p:sldId id="258" r:id="rId12"/>
+    <p:sldId id="264" r:id="rId11"/>
+    <p:sldId id="263" r:id="rId12"/>
+    <p:sldId id="258" r:id="rId13"/>
   </p:sldIdLst>
   <p:sldSz cx="9144000" cy="5143500" type="screen16x9"/>
   <p:notesSz cx="6858000" cy="9144000"/>
@@ -621,10 +622,20 @@
           <a:p>
             <a:r>
               <a:rPr lang="hu-HU" dirty="0" smtClean="0"/>
-              <a:t>…</a:t>
-            </a:r>
-          </a:p>
-          <a:p>
+              <a:t>Az</a:t>
+            </a:r>
+            <a:r>
+              <a:rPr lang="hu-HU" baseline="0" dirty="0" smtClean="0"/>
+              <a:t> első hét után rájöttünk, ha ilyen tempóban haladunk, akkor nem lesz semmink sem. 180°-ot vett a haladásunk és egyre hatékonyabban oldottuk meg a felvett </a:t>
+            </a:r>
+            <a:r>
+              <a:rPr lang="hu-HU" baseline="0" dirty="0" err="1" smtClean="0"/>
+              <a:t>taskokat</a:t>
+            </a:r>
+            <a:r>
+              <a:rPr lang="hu-HU" baseline="0" dirty="0" smtClean="0"/>
+              <a:t>. A közös találkozások, a kommunikáció és a már megtanult eszközök mind elősegítették a fejlődést.</a:t>
+            </a:r>
             <a:endParaRPr lang="hu-HU" dirty="0"/>
           </a:p>
         </p:txBody>
@@ -917,6 +928,96 @@
             <a:fld id="{75E948E4-5B8B-4A71-8AC0-CAD3839CCA09}" type="slidenum">
               <a:rPr lang="hu-HU" smtClean="0"/>
               <a:t>7</a:t>
+            </a:fld>
+            <a:endParaRPr lang="hu-HU"/>
+          </a:p>
+        </p:txBody>
+      </p:sp>
+    </p:spTree>
+    <p:extLst>
+      <p:ext uri="{BB962C8B-B14F-4D97-AF65-F5344CB8AC3E}">
+        <p14:creationId xmlns:p14="http://schemas.microsoft.com/office/powerpoint/2010/main" val="3291545883"/>
+      </p:ext>
+    </p:extLst>
+  </p:cSld>
+  <p:clrMapOvr>
+    <a:masterClrMapping/>
+  </p:clrMapOvr>
+</p:notes>
+</file>
+
+<file path=ppt/notesSlides/notesSlide6.xml><?xml version="1.0" encoding="utf-8"?>
+<p:notes xmlns:a="http://schemas.openxmlformats.org/drawingml/2006/main" xmlns:r="http://schemas.openxmlformats.org/officeDocument/2006/relationships" xmlns:p="http://schemas.openxmlformats.org/presentationml/2006/main">
+  <p:cSld>
+    <p:spTree>
+      <p:nvGrpSpPr>
+        <p:cNvPr id="1" name=""/>
+        <p:cNvGrpSpPr/>
+        <p:nvPr/>
+      </p:nvGrpSpPr>
+      <p:grpSpPr>
+        <a:xfrm>
+          <a:off x="0" y="0"/>
+          <a:ext cx="0" cy="0"/>
+          <a:chOff x="0" y="0"/>
+          <a:chExt cx="0" cy="0"/>
+        </a:xfrm>
+      </p:grpSpPr>
+      <p:sp>
+        <p:nvSpPr>
+          <p:cNvPr id="2" name="Diakép helye 1"/>
+          <p:cNvSpPr>
+            <a:spLocks noGrp="1" noRot="1" noChangeAspect="1"/>
+          </p:cNvSpPr>
+          <p:nvPr>
+            <p:ph type="sldImg"/>
+          </p:nvPr>
+        </p:nvSpPr>
+        <p:spPr/>
+      </p:sp>
+      <p:sp>
+        <p:nvSpPr>
+          <p:cNvPr id="3" name="Jegyzetek helye 2"/>
+          <p:cNvSpPr>
+            <a:spLocks noGrp="1"/>
+          </p:cNvSpPr>
+          <p:nvPr>
+            <p:ph type="body" idx="1"/>
+          </p:nvPr>
+        </p:nvSpPr>
+        <p:spPr/>
+        <p:txBody>
+          <a:bodyPr/>
+          <a:lstStyle/>
+          <a:p>
+            <a:r>
+              <a:rPr lang="hu-HU" dirty="0" smtClean="0"/>
+              <a:t>…</a:t>
+            </a:r>
+          </a:p>
+          <a:p>
+            <a:endParaRPr lang="hu-HU" dirty="0"/>
+          </a:p>
+        </p:txBody>
+      </p:sp>
+      <p:sp>
+        <p:nvSpPr>
+          <p:cNvPr id="4" name="Dia számának helye 3"/>
+          <p:cNvSpPr>
+            <a:spLocks noGrp="1"/>
+          </p:cNvSpPr>
+          <p:nvPr>
+            <p:ph type="sldNum" sz="quarter" idx="10"/>
+          </p:nvPr>
+        </p:nvSpPr>
+        <p:spPr/>
+        <p:txBody>
+          <a:bodyPr/>
+          <a:lstStyle/>
+          <a:p>
+            <a:fld id="{75E948E4-5B8B-4A71-8AC0-CAD3839CCA09}" type="slidenum">
+              <a:rPr lang="hu-HU" smtClean="0"/>
+              <a:t>8</a:t>
             </a:fld>
             <a:endParaRPr lang="hu-HU"/>
           </a:p>
@@ -4008,8 +4109,8 @@
         </p:nvSpPr>
         <p:spPr>
           <a:xfrm>
-            <a:off x="201319" y="1870601"/>
-            <a:ext cx="4721409" cy="2489990"/>
+            <a:off x="201319" y="2387600"/>
+            <a:ext cx="4721409" cy="1524000"/>
           </a:xfrm>
           <a:prstGeom prst="rect">
             <a:avLst/>
@@ -4203,48 +4304,6 @@
             <a:endParaRPr lang="hu-HU" dirty="0" smtClean="0">
               <a:latin typeface="+mj-lt"/>
             </a:endParaRPr>
-          </a:p>
-          <a:p>
-            <a:pPr marL="342900" indent="-342900" algn="l">
-              <a:buFont typeface="Arial" panose="020B0604020202020204" pitchFamily="34" charset="0"/>
-              <a:buChar char="•"/>
-            </a:pPr>
-            <a:r>
-              <a:rPr lang="hu-HU" dirty="0" err="1" smtClean="0">
-                <a:latin typeface="+mj-lt"/>
-                <a:hlinkClick r:id="rId3"/>
-              </a:rPr>
-              <a:t>nagykeribence</a:t>
-            </a:r>
-            <a:r>
-              <a:rPr lang="hu-HU" dirty="0" smtClean="0">
-                <a:latin typeface="+mj-lt"/>
-                <a:hlinkClick r:id="rId3"/>
-              </a:rPr>
-              <a:t>@</a:t>
-            </a:r>
-            <a:r>
-              <a:rPr lang="hu-HU" dirty="0" err="1" smtClean="0">
-                <a:latin typeface="+mj-lt"/>
-                <a:hlinkClick r:id="rId3"/>
-              </a:rPr>
-              <a:t>gmail.com</a:t>
-            </a:r>
-            <a:endParaRPr lang="hu-HU" dirty="0" smtClean="0">
-              <a:latin typeface="+mj-lt"/>
-            </a:endParaRPr>
-          </a:p>
-          <a:p>
-            <a:pPr marL="342900" indent="-342900" algn="l">
-              <a:buFont typeface="Arial" panose="020B0604020202020204" pitchFamily="34" charset="0"/>
-              <a:buChar char="•"/>
-            </a:pPr>
-            <a:r>
-              <a:rPr lang="hu-HU" dirty="0" smtClean="0">
-                <a:latin typeface="+mj-lt"/>
-              </a:rPr>
-              <a:t>+3670 564-9013</a:t>
-            </a:r>
           </a:p>
         </p:txBody>
       </p:sp>
@@ -5284,10 +5343,16 @@
               <a:buChar char="•"/>
             </a:pPr>
             <a:r>
+              <a:rPr lang="hu-HU" dirty="0" err="1" smtClean="0">
+                <a:latin typeface="+mj-lt"/>
+              </a:rPr>
+              <a:t>JavaServer</a:t>
+            </a:r>
+            <a:r>
               <a:rPr lang="hu-HU" dirty="0" smtClean="0">
                 <a:latin typeface="+mj-lt"/>
               </a:rPr>
-              <a:t>Java Server </a:t>
+              <a:t> </a:t>
             </a:r>
             <a:r>
               <a:rPr lang="hu-HU" dirty="0" err="1" smtClean="0">
@@ -5357,7 +5422,7 @@
       </p:sp>
       <p:pic>
         <p:nvPicPr>
-          <p:cNvPr id="6" name="Kép 5"/>
+          <p:cNvPr id="7" name="Kép 6"/>
           <p:cNvPicPr>
             <a:picLocks noChangeAspect="1"/>
           </p:cNvPicPr>
@@ -5377,8 +5442,8 @@
         </p:blipFill>
         <p:spPr>
           <a:xfrm>
-            <a:off x="5159791" y="1515143"/>
-            <a:ext cx="2832745" cy="2845448"/>
+            <a:off x="4484318" y="1076143"/>
+            <a:ext cx="2537747" cy="3869024"/>
           </a:xfrm>
           <a:prstGeom prst="rect">
             <a:avLst/>
@@ -6054,47 +6119,237 @@
               <a:buFont typeface="Arial" panose="020B0604020202020204" pitchFamily="34" charset="0"/>
               <a:buChar char="•"/>
             </a:pPr>
+            <a:endParaRPr lang="hu-HU" dirty="0" smtClean="0">
+              <a:latin typeface="+mj-lt"/>
+            </a:endParaRPr>
+          </a:p>
+        </p:txBody>
+      </p:sp>
+      <p:sp>
+        <p:nvSpPr>
+          <p:cNvPr id="7" name="Alcím 2"/>
+          <p:cNvSpPr txBox="1">
+            <a:spLocks/>
+          </p:cNvSpPr>
+          <p:nvPr/>
+        </p:nvSpPr>
+        <p:spPr>
+          <a:xfrm>
+            <a:off x="353720" y="2023001"/>
+            <a:ext cx="4282998" cy="2489990"/>
+          </a:xfrm>
+          <a:prstGeom prst="rect">
+            <a:avLst/>
+          </a:prstGeom>
+        </p:spPr>
+        <p:txBody>
+          <a:bodyPr vert="horz" lIns="91440" tIns="45720" rIns="91440" bIns="45720" rtlCol="0">
+            <a:normAutofit/>
+          </a:bodyPr>
+          <a:lstStyle>
+            <a:lvl1pPr marL="0" indent="0" algn="ctr" defTabSz="914400" rtl="0" eaLnBrk="1" latinLnBrk="0" hangingPunct="1">
+              <a:lnSpc>
+                <a:spcPct val="90000"/>
+              </a:lnSpc>
+              <a:spcBef>
+                <a:spcPts val="1000"/>
+              </a:spcBef>
+              <a:buFont typeface="Arial" panose="020B0604020202020204" pitchFamily="34" charset="0"/>
+              <a:buNone/>
+              <a:defRPr sz="2400" kern="1200">
+                <a:solidFill>
+                  <a:schemeClr val="tx1"/>
+                </a:solidFill>
+                <a:latin typeface="+mn-lt"/>
+                <a:ea typeface="+mn-ea"/>
+                <a:cs typeface="+mn-cs"/>
+              </a:defRPr>
+            </a:lvl1pPr>
+            <a:lvl2pPr marL="457200" indent="0" algn="ctr" defTabSz="914400" rtl="0" eaLnBrk="1" latinLnBrk="0" hangingPunct="1">
+              <a:lnSpc>
+                <a:spcPct val="90000"/>
+              </a:lnSpc>
+              <a:spcBef>
+                <a:spcPts val="500"/>
+              </a:spcBef>
+              <a:buFont typeface="Arial" panose="020B0604020202020204" pitchFamily="34" charset="0"/>
+              <a:buNone/>
+              <a:defRPr sz="2000" kern="1200">
+                <a:solidFill>
+                  <a:schemeClr val="tx1"/>
+                </a:solidFill>
+                <a:latin typeface="+mn-lt"/>
+                <a:ea typeface="+mn-ea"/>
+                <a:cs typeface="+mn-cs"/>
+              </a:defRPr>
+            </a:lvl2pPr>
+            <a:lvl3pPr marL="914400" indent="0" algn="ctr" defTabSz="914400" rtl="0" eaLnBrk="1" latinLnBrk="0" hangingPunct="1">
+              <a:lnSpc>
+                <a:spcPct val="90000"/>
+              </a:lnSpc>
+              <a:spcBef>
+                <a:spcPts val="500"/>
+              </a:spcBef>
+              <a:buFont typeface="Arial" panose="020B0604020202020204" pitchFamily="34" charset="0"/>
+              <a:buNone/>
+              <a:defRPr sz="1800" kern="1200">
+                <a:solidFill>
+                  <a:schemeClr val="tx1"/>
+                </a:solidFill>
+                <a:latin typeface="+mn-lt"/>
+                <a:ea typeface="+mn-ea"/>
+                <a:cs typeface="+mn-cs"/>
+              </a:defRPr>
+            </a:lvl3pPr>
+            <a:lvl4pPr marL="1371600" indent="0" algn="ctr" defTabSz="914400" rtl="0" eaLnBrk="1" latinLnBrk="0" hangingPunct="1">
+              <a:lnSpc>
+                <a:spcPct val="90000"/>
+              </a:lnSpc>
+              <a:spcBef>
+                <a:spcPts val="500"/>
+              </a:spcBef>
+              <a:buFont typeface="Arial" panose="020B0604020202020204" pitchFamily="34" charset="0"/>
+              <a:buNone/>
+              <a:defRPr sz="1600" kern="1200">
+                <a:solidFill>
+                  <a:schemeClr val="tx1"/>
+                </a:solidFill>
+                <a:latin typeface="+mn-lt"/>
+                <a:ea typeface="+mn-ea"/>
+                <a:cs typeface="+mn-cs"/>
+              </a:defRPr>
+            </a:lvl4pPr>
+            <a:lvl5pPr marL="1828800" indent="0" algn="ctr" defTabSz="914400" rtl="0" eaLnBrk="1" latinLnBrk="0" hangingPunct="1">
+              <a:lnSpc>
+                <a:spcPct val="90000"/>
+              </a:lnSpc>
+              <a:spcBef>
+                <a:spcPts val="500"/>
+              </a:spcBef>
+              <a:buFont typeface="Arial" panose="020B0604020202020204" pitchFamily="34" charset="0"/>
+              <a:buNone/>
+              <a:defRPr sz="1600" kern="1200">
+                <a:solidFill>
+                  <a:schemeClr val="tx1"/>
+                </a:solidFill>
+                <a:latin typeface="+mn-lt"/>
+                <a:ea typeface="+mn-ea"/>
+                <a:cs typeface="+mn-cs"/>
+              </a:defRPr>
+            </a:lvl5pPr>
+            <a:lvl6pPr marL="2286000" indent="0" algn="ctr" defTabSz="914400" rtl="0" eaLnBrk="1" latinLnBrk="0" hangingPunct="1">
+              <a:lnSpc>
+                <a:spcPct val="90000"/>
+              </a:lnSpc>
+              <a:spcBef>
+                <a:spcPts val="500"/>
+              </a:spcBef>
+              <a:buFont typeface="Arial" panose="020B0604020202020204" pitchFamily="34" charset="0"/>
+              <a:buNone/>
+              <a:defRPr sz="1600" kern="1200">
+                <a:solidFill>
+                  <a:schemeClr val="tx1"/>
+                </a:solidFill>
+                <a:latin typeface="+mn-lt"/>
+                <a:ea typeface="+mn-ea"/>
+                <a:cs typeface="+mn-cs"/>
+              </a:defRPr>
+            </a:lvl6pPr>
+            <a:lvl7pPr marL="2743200" indent="0" algn="ctr" defTabSz="914400" rtl="0" eaLnBrk="1" latinLnBrk="0" hangingPunct="1">
+              <a:lnSpc>
+                <a:spcPct val="90000"/>
+              </a:lnSpc>
+              <a:spcBef>
+                <a:spcPts val="500"/>
+              </a:spcBef>
+              <a:buFont typeface="Arial" panose="020B0604020202020204" pitchFamily="34" charset="0"/>
+              <a:buNone/>
+              <a:defRPr sz="1600" kern="1200">
+                <a:solidFill>
+                  <a:schemeClr val="tx1"/>
+                </a:solidFill>
+                <a:latin typeface="+mn-lt"/>
+                <a:ea typeface="+mn-ea"/>
+                <a:cs typeface="+mn-cs"/>
+              </a:defRPr>
+            </a:lvl7pPr>
+            <a:lvl8pPr marL="3200400" indent="0" algn="ctr" defTabSz="914400" rtl="0" eaLnBrk="1" latinLnBrk="0" hangingPunct="1">
+              <a:lnSpc>
+                <a:spcPct val="90000"/>
+              </a:lnSpc>
+              <a:spcBef>
+                <a:spcPts val="500"/>
+              </a:spcBef>
+              <a:buFont typeface="Arial" panose="020B0604020202020204" pitchFamily="34" charset="0"/>
+              <a:buNone/>
+              <a:defRPr sz="1600" kern="1200">
+                <a:solidFill>
+                  <a:schemeClr val="tx1"/>
+                </a:solidFill>
+                <a:latin typeface="+mn-lt"/>
+                <a:ea typeface="+mn-ea"/>
+                <a:cs typeface="+mn-cs"/>
+              </a:defRPr>
+            </a:lvl8pPr>
+            <a:lvl9pPr marL="3657600" indent="0" algn="ctr" defTabSz="914400" rtl="0" eaLnBrk="1" latinLnBrk="0" hangingPunct="1">
+              <a:lnSpc>
+                <a:spcPct val="90000"/>
+              </a:lnSpc>
+              <a:spcBef>
+                <a:spcPts val="500"/>
+              </a:spcBef>
+              <a:buFont typeface="Arial" panose="020B0604020202020204" pitchFamily="34" charset="0"/>
+              <a:buNone/>
+              <a:defRPr sz="1600" kern="1200">
+                <a:solidFill>
+                  <a:schemeClr val="tx1"/>
+                </a:solidFill>
+                <a:latin typeface="+mn-lt"/>
+                <a:ea typeface="+mn-ea"/>
+                <a:cs typeface="+mn-cs"/>
+              </a:defRPr>
+            </a:lvl9pPr>
+          </a:lstStyle>
+          <a:p>
+            <a:pPr marL="342900" indent="-342900" algn="l">
+              <a:buFont typeface="Arial" panose="020B0604020202020204" pitchFamily="34" charset="0"/>
+              <a:buChar char="•"/>
+            </a:pPr>
+            <a:r>
+              <a:rPr lang="hu-HU" dirty="0" err="1" smtClean="0">
+                <a:latin typeface="+mj-lt"/>
+              </a:rPr>
+              <a:t>Google</a:t>
+            </a:r>
             <a:r>
               <a:rPr lang="hu-HU" dirty="0" smtClean="0">
                 <a:latin typeface="+mj-lt"/>
               </a:rPr>
-              <a:t>Profil oldal</a:t>
-            </a:r>
-          </a:p>
-          <a:p>
-            <a:pPr marL="342900" indent="-342900" algn="l">
-              <a:buFont typeface="Arial" panose="020B0604020202020204" pitchFamily="34" charset="0"/>
-              <a:buChar char="•"/>
-            </a:pPr>
-            <a:r>
-              <a:rPr lang="hu-HU" dirty="0" err="1">
-                <a:latin typeface="+mj-lt"/>
-              </a:rPr>
-              <a:t>x</a:t>
+              <a:t> </a:t>
             </a:r>
             <a:r>
               <a:rPr lang="hu-HU" dirty="0" err="1" smtClean="0">
                 <a:latin typeface="+mj-lt"/>
               </a:rPr>
-              <a:t>html</a:t>
+              <a:t>Maps</a:t>
             </a:r>
             <a:r>
               <a:rPr lang="hu-HU" dirty="0" smtClean="0">
                 <a:latin typeface="+mj-lt"/>
               </a:rPr>
-              <a:t> struktúra kialakítása</a:t>
-            </a:r>
-          </a:p>
-          <a:p>
-            <a:pPr marL="342900" indent="-342900" algn="l">
-              <a:buFont typeface="Arial" panose="020B0604020202020204" pitchFamily="34" charset="0"/>
-              <a:buChar char="•"/>
-            </a:pPr>
+              <a:t> </a:t>
+            </a:r>
+            <a:r>
+              <a:rPr lang="hu-HU" dirty="0" err="1" smtClean="0">
+                <a:latin typeface="+mj-lt"/>
+              </a:rPr>
+              <a:t>Geocoding</a:t>
+            </a:r>
             <a:r>
               <a:rPr lang="hu-HU" dirty="0" smtClean="0">
                 <a:latin typeface="+mj-lt"/>
               </a:rPr>
-              <a:t>Képmegjelenítés</a:t>
+              <a:t> API</a:t>
             </a:r>
           </a:p>
           <a:p>
@@ -6106,14 +6361,62 @@
               <a:rPr lang="hu-HU" dirty="0" smtClean="0">
                 <a:latin typeface="+mj-lt"/>
               </a:rPr>
-              <a:t>Profil kép választás</a:t>
-            </a:r>
+              <a:t>Spring Mail</a:t>
+            </a:r>
+          </a:p>
+          <a:p>
+            <a:pPr marL="342900" indent="-342900" algn="l">
+              <a:buFont typeface="Arial" panose="020B0604020202020204" pitchFamily="34" charset="0"/>
+              <a:buChar char="•"/>
+            </a:pPr>
+            <a:r>
+              <a:rPr lang="hu-HU" dirty="0" smtClean="0">
+                <a:latin typeface="+mj-lt"/>
+              </a:rPr>
+              <a:t>EJB </a:t>
+            </a:r>
+            <a:r>
+              <a:rPr lang="hu-HU" dirty="0" err="1" smtClean="0">
+                <a:latin typeface="+mj-lt"/>
+              </a:rPr>
+              <a:t>Remote</a:t>
+            </a:r>
+            <a:r>
+              <a:rPr lang="hu-HU" dirty="0" smtClean="0">
+                <a:latin typeface="+mj-lt"/>
+              </a:rPr>
+              <a:t> </a:t>
+            </a:r>
+            <a:r>
+              <a:rPr lang="hu-HU" dirty="0" err="1" smtClean="0">
+                <a:latin typeface="+mj-lt"/>
+              </a:rPr>
+              <a:t>interfaces</a:t>
+            </a:r>
+            <a:endParaRPr lang="hu-HU" dirty="0" smtClean="0">
+              <a:latin typeface="+mj-lt"/>
+            </a:endParaRPr>
+          </a:p>
+          <a:p>
+            <a:pPr marL="342900" indent="-342900" algn="l">
+              <a:buFont typeface="Arial" panose="020B0604020202020204" pitchFamily="34" charset="0"/>
+              <a:buChar char="•"/>
+            </a:pPr>
+            <a:r>
+              <a:rPr lang="hu-HU" dirty="0" err="1" smtClean="0">
+                <a:latin typeface="+mj-lt"/>
+              </a:rPr>
+              <a:t>Refactoring</a:t>
+            </a:r>
+            <a:endParaRPr lang="hu-HU" dirty="0" smtClean="0">
+              <a:latin typeface="+mj-lt"/>
+            </a:endParaRPr>
           </a:p>
         </p:txBody>
       </p:sp>
       <p:pic>
         <p:nvPicPr>
-          <p:cNvPr id="6" name="Kép 5"/>
+          <p:cNvPr id="4" name="Kép 3"/>
           <p:cNvPicPr>
             <a:picLocks noChangeAspect="1"/>
           </p:cNvPicPr>
@@ -6133,8 +6436,561 @@
         </p:blipFill>
         <p:spPr>
           <a:xfrm>
-            <a:off x="5159791" y="1515143"/>
-            <a:ext cx="2832745" cy="2845448"/>
+            <a:off x="4394200" y="1477691"/>
+            <a:ext cx="4318000" cy="2882900"/>
+          </a:xfrm>
+          <a:prstGeom prst="rect">
+            <a:avLst/>
+          </a:prstGeom>
+        </p:spPr>
+      </p:pic>
+    </p:spTree>
+    <p:extLst>
+      <p:ext uri="{BB962C8B-B14F-4D97-AF65-F5344CB8AC3E}">
+        <p14:creationId xmlns:p14="http://schemas.microsoft.com/office/powerpoint/2010/main" val="2982233585"/>
+      </p:ext>
+    </p:extLst>
+  </p:cSld>
+  <p:clrMapOvr>
+    <a:masterClrMapping/>
+  </p:clrMapOvr>
+  <p:timing>
+    <p:tnLst>
+      <p:par>
+        <p:cTn id="1" dur="indefinite" restart="never" nodeType="tmRoot"/>
+      </p:par>
+    </p:tnLst>
+  </p:timing>
+</p:sld>
+</file>
+
+<file path=ppt/slides/slide8.xml><?xml version="1.0" encoding="utf-8"?>
+<p:sld xmlns:a="http://schemas.openxmlformats.org/drawingml/2006/main" xmlns:r="http://schemas.openxmlformats.org/officeDocument/2006/relationships" xmlns:p="http://schemas.openxmlformats.org/presentationml/2006/main">
+  <p:cSld>
+    <p:spTree>
+      <p:nvGrpSpPr>
+        <p:cNvPr id="1" name=""/>
+        <p:cNvGrpSpPr/>
+        <p:nvPr/>
+      </p:nvGrpSpPr>
+      <p:grpSpPr>
+        <a:xfrm>
+          <a:off x="0" y="0"/>
+          <a:ext cx="0" cy="0"/>
+          <a:chOff x="0" y="0"/>
+          <a:chExt cx="0" cy="0"/>
+        </a:xfrm>
+      </p:grpSpPr>
+      <p:sp>
+        <p:nvSpPr>
+          <p:cNvPr id="2" name="Cím 1"/>
+          <p:cNvSpPr>
+            <a:spLocks noGrp="1"/>
+          </p:cNvSpPr>
+          <p:nvPr>
+            <p:ph type="ctrTitle"/>
+          </p:nvPr>
+        </p:nvSpPr>
+        <p:spPr>
+          <a:xfrm>
+            <a:off x="7521394" y="67963"/>
+            <a:ext cx="1548465" cy="583469"/>
+          </a:xfrm>
+        </p:spPr>
+        <p:txBody>
+          <a:bodyPr>
+            <a:normAutofit fontScale="90000"/>
+          </a:bodyPr>
+          <a:lstStyle/>
+          <a:p>
+            <a:r>
+              <a:rPr lang="hu-HU" sz="1800" dirty="0" smtClean="0"/>
+              <a:t>A prezentáció címe ide jön</a:t>
+            </a:r>
+            <a:endParaRPr lang="hu-HU" sz="1800" dirty="0"/>
+          </a:p>
+        </p:txBody>
+      </p:sp>
+      <p:sp>
+        <p:nvSpPr>
+          <p:cNvPr id="3" name="Alcím 2"/>
+          <p:cNvSpPr>
+            <a:spLocks noGrp="1"/>
+          </p:cNvSpPr>
+          <p:nvPr>
+            <p:ph type="subTitle" idx="1"/>
+          </p:nvPr>
+        </p:nvSpPr>
+        <p:spPr>
+          <a:xfrm>
+            <a:off x="238898" y="858795"/>
+            <a:ext cx="3814688" cy="434696"/>
+          </a:xfrm>
+        </p:spPr>
+        <p:txBody>
+          <a:bodyPr>
+            <a:noAutofit/>
+          </a:bodyPr>
+          <a:lstStyle/>
+          <a:p>
+            <a:r>
+              <a:rPr lang="hu-HU" sz="2800" b="1" dirty="0" err="1" smtClean="0">
+                <a:latin typeface="+mj-lt"/>
+              </a:rPr>
+              <a:t>Lekérdekesebb</a:t>
+            </a:r>
+            <a:r>
+              <a:rPr lang="hu-HU" sz="2800" b="1" dirty="0" smtClean="0">
+                <a:latin typeface="+mj-lt"/>
+              </a:rPr>
+              <a:t> feladat</a:t>
+            </a:r>
+          </a:p>
+        </p:txBody>
+      </p:sp>
+      <p:sp>
+        <p:nvSpPr>
+          <p:cNvPr id="5" name="Alcím 2"/>
+          <p:cNvSpPr txBox="1">
+            <a:spLocks/>
+          </p:cNvSpPr>
+          <p:nvPr/>
+        </p:nvSpPr>
+        <p:spPr>
+          <a:xfrm>
+            <a:off x="201320" y="1870601"/>
+            <a:ext cx="4282998" cy="2489990"/>
+          </a:xfrm>
+          <a:prstGeom prst="rect">
+            <a:avLst/>
+          </a:prstGeom>
+        </p:spPr>
+        <p:txBody>
+          <a:bodyPr vert="horz" lIns="91440" tIns="45720" rIns="91440" bIns="45720" rtlCol="0">
+            <a:normAutofit/>
+          </a:bodyPr>
+          <a:lstStyle>
+            <a:lvl1pPr marL="0" indent="0" algn="ctr" defTabSz="914400" rtl="0" eaLnBrk="1" latinLnBrk="0" hangingPunct="1">
+              <a:lnSpc>
+                <a:spcPct val="90000"/>
+              </a:lnSpc>
+              <a:spcBef>
+                <a:spcPts val="1000"/>
+              </a:spcBef>
+              <a:buFont typeface="Arial" panose="020B0604020202020204" pitchFamily="34" charset="0"/>
+              <a:buNone/>
+              <a:defRPr sz="2400" kern="1200">
+                <a:solidFill>
+                  <a:schemeClr val="tx1"/>
+                </a:solidFill>
+                <a:latin typeface="+mn-lt"/>
+                <a:ea typeface="+mn-ea"/>
+                <a:cs typeface="+mn-cs"/>
+              </a:defRPr>
+            </a:lvl1pPr>
+            <a:lvl2pPr marL="457200" indent="0" algn="ctr" defTabSz="914400" rtl="0" eaLnBrk="1" latinLnBrk="0" hangingPunct="1">
+              <a:lnSpc>
+                <a:spcPct val="90000"/>
+              </a:lnSpc>
+              <a:spcBef>
+                <a:spcPts val="500"/>
+              </a:spcBef>
+              <a:buFont typeface="Arial" panose="020B0604020202020204" pitchFamily="34" charset="0"/>
+              <a:buNone/>
+              <a:defRPr sz="2000" kern="1200">
+                <a:solidFill>
+                  <a:schemeClr val="tx1"/>
+                </a:solidFill>
+                <a:latin typeface="+mn-lt"/>
+                <a:ea typeface="+mn-ea"/>
+                <a:cs typeface="+mn-cs"/>
+              </a:defRPr>
+            </a:lvl2pPr>
+            <a:lvl3pPr marL="914400" indent="0" algn="ctr" defTabSz="914400" rtl="0" eaLnBrk="1" latinLnBrk="0" hangingPunct="1">
+              <a:lnSpc>
+                <a:spcPct val="90000"/>
+              </a:lnSpc>
+              <a:spcBef>
+                <a:spcPts val="500"/>
+              </a:spcBef>
+              <a:buFont typeface="Arial" panose="020B0604020202020204" pitchFamily="34" charset="0"/>
+              <a:buNone/>
+              <a:defRPr sz="1800" kern="1200">
+                <a:solidFill>
+                  <a:schemeClr val="tx1"/>
+                </a:solidFill>
+                <a:latin typeface="+mn-lt"/>
+                <a:ea typeface="+mn-ea"/>
+                <a:cs typeface="+mn-cs"/>
+              </a:defRPr>
+            </a:lvl3pPr>
+            <a:lvl4pPr marL="1371600" indent="0" algn="ctr" defTabSz="914400" rtl="0" eaLnBrk="1" latinLnBrk="0" hangingPunct="1">
+              <a:lnSpc>
+                <a:spcPct val="90000"/>
+              </a:lnSpc>
+              <a:spcBef>
+                <a:spcPts val="500"/>
+              </a:spcBef>
+              <a:buFont typeface="Arial" panose="020B0604020202020204" pitchFamily="34" charset="0"/>
+              <a:buNone/>
+              <a:defRPr sz="1600" kern="1200">
+                <a:solidFill>
+                  <a:schemeClr val="tx1"/>
+                </a:solidFill>
+                <a:latin typeface="+mn-lt"/>
+                <a:ea typeface="+mn-ea"/>
+                <a:cs typeface="+mn-cs"/>
+              </a:defRPr>
+            </a:lvl4pPr>
+            <a:lvl5pPr marL="1828800" indent="0" algn="ctr" defTabSz="914400" rtl="0" eaLnBrk="1" latinLnBrk="0" hangingPunct="1">
+              <a:lnSpc>
+                <a:spcPct val="90000"/>
+              </a:lnSpc>
+              <a:spcBef>
+                <a:spcPts val="500"/>
+              </a:spcBef>
+              <a:buFont typeface="Arial" panose="020B0604020202020204" pitchFamily="34" charset="0"/>
+              <a:buNone/>
+              <a:defRPr sz="1600" kern="1200">
+                <a:solidFill>
+                  <a:schemeClr val="tx1"/>
+                </a:solidFill>
+                <a:latin typeface="+mn-lt"/>
+                <a:ea typeface="+mn-ea"/>
+                <a:cs typeface="+mn-cs"/>
+              </a:defRPr>
+            </a:lvl5pPr>
+            <a:lvl6pPr marL="2286000" indent="0" algn="ctr" defTabSz="914400" rtl="0" eaLnBrk="1" latinLnBrk="0" hangingPunct="1">
+              <a:lnSpc>
+                <a:spcPct val="90000"/>
+              </a:lnSpc>
+              <a:spcBef>
+                <a:spcPts val="500"/>
+              </a:spcBef>
+              <a:buFont typeface="Arial" panose="020B0604020202020204" pitchFamily="34" charset="0"/>
+              <a:buNone/>
+              <a:defRPr sz="1600" kern="1200">
+                <a:solidFill>
+                  <a:schemeClr val="tx1"/>
+                </a:solidFill>
+                <a:latin typeface="+mn-lt"/>
+                <a:ea typeface="+mn-ea"/>
+                <a:cs typeface="+mn-cs"/>
+              </a:defRPr>
+            </a:lvl6pPr>
+            <a:lvl7pPr marL="2743200" indent="0" algn="ctr" defTabSz="914400" rtl="0" eaLnBrk="1" latinLnBrk="0" hangingPunct="1">
+              <a:lnSpc>
+                <a:spcPct val="90000"/>
+              </a:lnSpc>
+              <a:spcBef>
+                <a:spcPts val="500"/>
+              </a:spcBef>
+              <a:buFont typeface="Arial" panose="020B0604020202020204" pitchFamily="34" charset="0"/>
+              <a:buNone/>
+              <a:defRPr sz="1600" kern="1200">
+                <a:solidFill>
+                  <a:schemeClr val="tx1"/>
+                </a:solidFill>
+                <a:latin typeface="+mn-lt"/>
+                <a:ea typeface="+mn-ea"/>
+                <a:cs typeface="+mn-cs"/>
+              </a:defRPr>
+            </a:lvl7pPr>
+            <a:lvl8pPr marL="3200400" indent="0" algn="ctr" defTabSz="914400" rtl="0" eaLnBrk="1" latinLnBrk="0" hangingPunct="1">
+              <a:lnSpc>
+                <a:spcPct val="90000"/>
+              </a:lnSpc>
+              <a:spcBef>
+                <a:spcPts val="500"/>
+              </a:spcBef>
+              <a:buFont typeface="Arial" panose="020B0604020202020204" pitchFamily="34" charset="0"/>
+              <a:buNone/>
+              <a:defRPr sz="1600" kern="1200">
+                <a:solidFill>
+                  <a:schemeClr val="tx1"/>
+                </a:solidFill>
+                <a:latin typeface="+mn-lt"/>
+                <a:ea typeface="+mn-ea"/>
+                <a:cs typeface="+mn-cs"/>
+              </a:defRPr>
+            </a:lvl8pPr>
+            <a:lvl9pPr marL="3657600" indent="0" algn="ctr" defTabSz="914400" rtl="0" eaLnBrk="1" latinLnBrk="0" hangingPunct="1">
+              <a:lnSpc>
+                <a:spcPct val="90000"/>
+              </a:lnSpc>
+              <a:spcBef>
+                <a:spcPts val="500"/>
+              </a:spcBef>
+              <a:buFont typeface="Arial" panose="020B0604020202020204" pitchFamily="34" charset="0"/>
+              <a:buNone/>
+              <a:defRPr sz="1600" kern="1200">
+                <a:solidFill>
+                  <a:schemeClr val="tx1"/>
+                </a:solidFill>
+                <a:latin typeface="+mn-lt"/>
+                <a:ea typeface="+mn-ea"/>
+                <a:cs typeface="+mn-cs"/>
+              </a:defRPr>
+            </a:lvl9pPr>
+          </a:lstStyle>
+          <a:p>
+            <a:pPr marL="342900" indent="-342900" algn="l">
+              <a:buFont typeface="Arial" panose="020B0604020202020204" pitchFamily="34" charset="0"/>
+              <a:buChar char="•"/>
+            </a:pPr>
+            <a:endParaRPr lang="hu-HU" dirty="0" smtClean="0">
+              <a:latin typeface="+mj-lt"/>
+            </a:endParaRPr>
+          </a:p>
+        </p:txBody>
+      </p:sp>
+      <p:sp>
+        <p:nvSpPr>
+          <p:cNvPr id="7" name="Alcím 2"/>
+          <p:cNvSpPr txBox="1">
+            <a:spLocks/>
+          </p:cNvSpPr>
+          <p:nvPr/>
+        </p:nvSpPr>
+        <p:spPr>
+          <a:xfrm>
+            <a:off x="353720" y="2023001"/>
+            <a:ext cx="4282998" cy="2489990"/>
+          </a:xfrm>
+          <a:prstGeom prst="rect">
+            <a:avLst/>
+          </a:prstGeom>
+        </p:spPr>
+        <p:txBody>
+          <a:bodyPr vert="horz" lIns="91440" tIns="45720" rIns="91440" bIns="45720" rtlCol="0">
+            <a:normAutofit/>
+          </a:bodyPr>
+          <a:lstStyle>
+            <a:lvl1pPr marL="0" indent="0" algn="ctr" defTabSz="914400" rtl="0" eaLnBrk="1" latinLnBrk="0" hangingPunct="1">
+              <a:lnSpc>
+                <a:spcPct val="90000"/>
+              </a:lnSpc>
+              <a:spcBef>
+                <a:spcPts val="1000"/>
+              </a:spcBef>
+              <a:buFont typeface="Arial" panose="020B0604020202020204" pitchFamily="34" charset="0"/>
+              <a:buNone/>
+              <a:defRPr sz="2400" kern="1200">
+                <a:solidFill>
+                  <a:schemeClr val="tx1"/>
+                </a:solidFill>
+                <a:latin typeface="+mn-lt"/>
+                <a:ea typeface="+mn-ea"/>
+                <a:cs typeface="+mn-cs"/>
+              </a:defRPr>
+            </a:lvl1pPr>
+            <a:lvl2pPr marL="457200" indent="0" algn="ctr" defTabSz="914400" rtl="0" eaLnBrk="1" latinLnBrk="0" hangingPunct="1">
+              <a:lnSpc>
+                <a:spcPct val="90000"/>
+              </a:lnSpc>
+              <a:spcBef>
+                <a:spcPts val="500"/>
+              </a:spcBef>
+              <a:buFont typeface="Arial" panose="020B0604020202020204" pitchFamily="34" charset="0"/>
+              <a:buNone/>
+              <a:defRPr sz="2000" kern="1200">
+                <a:solidFill>
+                  <a:schemeClr val="tx1"/>
+                </a:solidFill>
+                <a:latin typeface="+mn-lt"/>
+                <a:ea typeface="+mn-ea"/>
+                <a:cs typeface="+mn-cs"/>
+              </a:defRPr>
+            </a:lvl2pPr>
+            <a:lvl3pPr marL="914400" indent="0" algn="ctr" defTabSz="914400" rtl="0" eaLnBrk="1" latinLnBrk="0" hangingPunct="1">
+              <a:lnSpc>
+                <a:spcPct val="90000"/>
+              </a:lnSpc>
+              <a:spcBef>
+                <a:spcPts val="500"/>
+              </a:spcBef>
+              <a:buFont typeface="Arial" panose="020B0604020202020204" pitchFamily="34" charset="0"/>
+              <a:buNone/>
+              <a:defRPr sz="1800" kern="1200">
+                <a:solidFill>
+                  <a:schemeClr val="tx1"/>
+                </a:solidFill>
+                <a:latin typeface="+mn-lt"/>
+                <a:ea typeface="+mn-ea"/>
+                <a:cs typeface="+mn-cs"/>
+              </a:defRPr>
+            </a:lvl3pPr>
+            <a:lvl4pPr marL="1371600" indent="0" algn="ctr" defTabSz="914400" rtl="0" eaLnBrk="1" latinLnBrk="0" hangingPunct="1">
+              <a:lnSpc>
+                <a:spcPct val="90000"/>
+              </a:lnSpc>
+              <a:spcBef>
+                <a:spcPts val="500"/>
+              </a:spcBef>
+              <a:buFont typeface="Arial" panose="020B0604020202020204" pitchFamily="34" charset="0"/>
+              <a:buNone/>
+              <a:defRPr sz="1600" kern="1200">
+                <a:solidFill>
+                  <a:schemeClr val="tx1"/>
+                </a:solidFill>
+                <a:latin typeface="+mn-lt"/>
+                <a:ea typeface="+mn-ea"/>
+                <a:cs typeface="+mn-cs"/>
+              </a:defRPr>
+            </a:lvl4pPr>
+            <a:lvl5pPr marL="1828800" indent="0" algn="ctr" defTabSz="914400" rtl="0" eaLnBrk="1" latinLnBrk="0" hangingPunct="1">
+              <a:lnSpc>
+                <a:spcPct val="90000"/>
+              </a:lnSpc>
+              <a:spcBef>
+                <a:spcPts val="500"/>
+              </a:spcBef>
+              <a:buFont typeface="Arial" panose="020B0604020202020204" pitchFamily="34" charset="0"/>
+              <a:buNone/>
+              <a:defRPr sz="1600" kern="1200">
+                <a:solidFill>
+                  <a:schemeClr val="tx1"/>
+                </a:solidFill>
+                <a:latin typeface="+mn-lt"/>
+                <a:ea typeface="+mn-ea"/>
+                <a:cs typeface="+mn-cs"/>
+              </a:defRPr>
+            </a:lvl5pPr>
+            <a:lvl6pPr marL="2286000" indent="0" algn="ctr" defTabSz="914400" rtl="0" eaLnBrk="1" latinLnBrk="0" hangingPunct="1">
+              <a:lnSpc>
+                <a:spcPct val="90000"/>
+              </a:lnSpc>
+              <a:spcBef>
+                <a:spcPts val="500"/>
+              </a:spcBef>
+              <a:buFont typeface="Arial" panose="020B0604020202020204" pitchFamily="34" charset="0"/>
+              <a:buNone/>
+              <a:defRPr sz="1600" kern="1200">
+                <a:solidFill>
+                  <a:schemeClr val="tx1"/>
+                </a:solidFill>
+                <a:latin typeface="+mn-lt"/>
+                <a:ea typeface="+mn-ea"/>
+                <a:cs typeface="+mn-cs"/>
+              </a:defRPr>
+            </a:lvl6pPr>
+            <a:lvl7pPr marL="2743200" indent="0" algn="ctr" defTabSz="914400" rtl="0" eaLnBrk="1" latinLnBrk="0" hangingPunct="1">
+              <a:lnSpc>
+                <a:spcPct val="90000"/>
+              </a:lnSpc>
+              <a:spcBef>
+                <a:spcPts val="500"/>
+              </a:spcBef>
+              <a:buFont typeface="Arial" panose="020B0604020202020204" pitchFamily="34" charset="0"/>
+              <a:buNone/>
+              <a:defRPr sz="1600" kern="1200">
+                <a:solidFill>
+                  <a:schemeClr val="tx1"/>
+                </a:solidFill>
+                <a:latin typeface="+mn-lt"/>
+                <a:ea typeface="+mn-ea"/>
+                <a:cs typeface="+mn-cs"/>
+              </a:defRPr>
+            </a:lvl7pPr>
+            <a:lvl8pPr marL="3200400" indent="0" algn="ctr" defTabSz="914400" rtl="0" eaLnBrk="1" latinLnBrk="0" hangingPunct="1">
+              <a:lnSpc>
+                <a:spcPct val="90000"/>
+              </a:lnSpc>
+              <a:spcBef>
+                <a:spcPts val="500"/>
+              </a:spcBef>
+              <a:buFont typeface="Arial" panose="020B0604020202020204" pitchFamily="34" charset="0"/>
+              <a:buNone/>
+              <a:defRPr sz="1600" kern="1200">
+                <a:solidFill>
+                  <a:schemeClr val="tx1"/>
+                </a:solidFill>
+                <a:latin typeface="+mn-lt"/>
+                <a:ea typeface="+mn-ea"/>
+                <a:cs typeface="+mn-cs"/>
+              </a:defRPr>
+            </a:lvl8pPr>
+            <a:lvl9pPr marL="3657600" indent="0" algn="ctr" defTabSz="914400" rtl="0" eaLnBrk="1" latinLnBrk="0" hangingPunct="1">
+              <a:lnSpc>
+                <a:spcPct val="90000"/>
+              </a:lnSpc>
+              <a:spcBef>
+                <a:spcPts val="500"/>
+              </a:spcBef>
+              <a:buFont typeface="Arial" panose="020B0604020202020204" pitchFamily="34" charset="0"/>
+              <a:buNone/>
+              <a:defRPr sz="1600" kern="1200">
+                <a:solidFill>
+                  <a:schemeClr val="tx1"/>
+                </a:solidFill>
+                <a:latin typeface="+mn-lt"/>
+                <a:ea typeface="+mn-ea"/>
+                <a:cs typeface="+mn-cs"/>
+              </a:defRPr>
+            </a:lvl9pPr>
+          </a:lstStyle>
+          <a:p>
+            <a:pPr marL="342900" indent="-342900" algn="l">
+              <a:buFont typeface="Arial" panose="020B0604020202020204" pitchFamily="34" charset="0"/>
+              <a:buChar char="•"/>
+            </a:pPr>
+            <a:r>
+              <a:rPr lang="hu-HU" dirty="0" smtClean="0">
+                <a:latin typeface="+mj-lt"/>
+              </a:rPr>
+              <a:t>Szervezett munkafolyamat</a:t>
+            </a:r>
+          </a:p>
+          <a:p>
+            <a:pPr marL="342900" indent="-342900" algn="l">
+              <a:buFont typeface="Arial" panose="020B0604020202020204" pitchFamily="34" charset="0"/>
+              <a:buChar char="•"/>
+            </a:pPr>
+            <a:r>
+              <a:rPr lang="hu-HU" dirty="0" smtClean="0">
+                <a:latin typeface="+mj-lt"/>
+              </a:rPr>
+              <a:t>KANBAN</a:t>
+            </a:r>
+          </a:p>
+          <a:p>
+            <a:pPr marL="342900" indent="-342900" algn="l">
+              <a:buFont typeface="Arial" panose="020B0604020202020204" pitchFamily="34" charset="0"/>
+              <a:buChar char="•"/>
+            </a:pPr>
+            <a:r>
+              <a:rPr lang="hu-HU" dirty="0" smtClean="0">
+                <a:latin typeface="+mj-lt"/>
+              </a:rPr>
+              <a:t>Csapatmunka</a:t>
+            </a:r>
+          </a:p>
+        </p:txBody>
+      </p:sp>
+      <p:pic>
+        <p:nvPicPr>
+          <p:cNvPr id="8" name="Kép 7"/>
+          <p:cNvPicPr>
+            <a:picLocks noChangeAspect="1"/>
+          </p:cNvPicPr>
+          <p:nvPr/>
+        </p:nvPicPr>
+        <p:blipFill>
+          <a:blip r:embed="rId3" cstate="print">
+            <a:extLst>
+              <a:ext uri="{28A0092B-C50C-407E-A947-70E740481C1C}">
+                <a14:useLocalDpi xmlns:a14="http://schemas.microsoft.com/office/drawing/2010/main" val="0"/>
+              </a:ext>
+            </a:extLst>
+          </a:blip>
+          <a:stretch>
+            <a:fillRect/>
+          </a:stretch>
+        </p:blipFill>
+        <p:spPr>
+          <a:xfrm>
+            <a:off x="4484318" y="1576148"/>
+            <a:ext cx="3491465" cy="2784443"/>
           </a:xfrm>
           <a:prstGeom prst="rect">
             <a:avLst/>
@@ -6161,7 +7017,7 @@
 </p:sld>
 </file>
 
-<file path=ppt/slides/slide8.xml><?xml version="1.0" encoding="utf-8"?>
+<file path=ppt/slides/slide9.xml><?xml version="1.0" encoding="utf-8"?>
 <p:sld xmlns:a="http://schemas.openxmlformats.org/drawingml/2006/main" xmlns:r="http://schemas.openxmlformats.org/officeDocument/2006/relationships" xmlns:p="http://schemas.openxmlformats.org/presentationml/2006/main">
   <p:cSld>
     <p:bg>
@@ -6423,16 +7279,7 @@
                 </a:solidFill>
                 <a:latin typeface="+mj-lt"/>
               </a:rPr>
-              <a:t>+3670 </a:t>
-            </a:r>
-            <a:r>
-              <a:rPr lang="hu-HU" sz="1500" i="1" dirty="0" smtClean="0">
-                <a:solidFill>
-                  <a:schemeClr val="bg1"/>
-                </a:solidFill>
-                <a:latin typeface="+mj-lt"/>
-              </a:rPr>
-              <a:t>564-9013</a:t>
+              <a:t>+3670 564-9013</a:t>
             </a:r>
             <a:endParaRPr lang="hu-HU" sz="1500" i="1" dirty="0">
               <a:solidFill>
@@ -6986,21 +7833,6 @@
 </file>
 
 <file path=customXml/item1.xml><?xml version="1.0" encoding="utf-8"?>
-<?mso-contentType ?>
-<FormTemplates xmlns="http://schemas.microsoft.com/sharepoint/v3/contenttype/forms">
-  <Display>DocumentLibraryForm</Display>
-  <Edit>DocumentLibraryForm</Edit>
-  <New>DocumentLibraryForm</New>
-</FormTemplates>
-</file>
-
-<file path=customXml/item2.xml><?xml version="1.0" encoding="utf-8"?>
-<p:properties xmlns:p="http://schemas.microsoft.com/office/2006/metadata/properties" xmlns:xsi="http://www.w3.org/2001/XMLSchema-instance" xmlns:pc="http://schemas.microsoft.com/office/infopath/2007/PartnerControls">
-  <documentManagement/>
-</p:properties>
-</file>
-
-<file path=customXml/item3.xml><?xml version="1.0" encoding="utf-8"?>
 <ct:contentTypeSchema xmlns:ct="http://schemas.microsoft.com/office/2006/metadata/contentType" xmlns:ma="http://schemas.microsoft.com/office/2006/metadata/properties/metaAttributes" ct:_="" ma:_="" ma:contentTypeName="Dokumentum" ma:contentTypeID="0x010100AC862C676857C24E8FC2D32B30708833" ma:contentTypeVersion="2" ma:contentTypeDescription="Új dokumentum létrehozása." ma:contentTypeScope="" ma:versionID="0d2981163f66270cf1daba8c3c407cc5">
   <xsd:schema xmlns:xsd="http://www.w3.org/2001/XMLSchema" xmlns:xs="http://www.w3.org/2001/XMLSchema" xmlns:p="http://schemas.microsoft.com/office/2006/metadata/properties" xmlns:ns2="9a324a02-be43-499b-8089-7896e70993e7" targetNamespace="http://schemas.microsoft.com/office/2006/metadata/properties" ma:root="true" ma:fieldsID="4ce273e9ed9981a51826152e27a7d1ee" ns2:_="">
     <xsd:import namespace="9a324a02-be43-499b-8089-7896e70993e7"/>
@@ -7148,24 +7980,22 @@
 </ct:contentTypeSchema>
 </file>
 
-<file path=customXml/itemProps1.xml><?xml version="1.0" encoding="utf-8"?>
-<ds:datastoreItem xmlns:ds="http://schemas.openxmlformats.org/officeDocument/2006/customXml" ds:itemID="{166AD069-051C-46FD-A0CD-BDE143FEA57D}">
-  <ds:schemaRefs>
-    <ds:schemaRef ds:uri="http://schemas.microsoft.com/sharepoint/v3/contenttype/forms"/>
-  </ds:schemaRefs>
-</ds:datastoreItem>
+<file path=customXml/item2.xml><?xml version="1.0" encoding="utf-8"?>
+<p:properties xmlns:p="http://schemas.microsoft.com/office/2006/metadata/properties" xmlns:xsi="http://www.w3.org/2001/XMLSchema-instance" xmlns:pc="http://schemas.microsoft.com/office/infopath/2007/PartnerControls">
+  <documentManagement/>
+</p:properties>
 </file>
 
-<file path=customXml/itemProps2.xml><?xml version="1.0" encoding="utf-8"?>
-<ds:datastoreItem xmlns:ds="http://schemas.openxmlformats.org/officeDocument/2006/customXml" ds:itemID="{8E1455B4-EFFE-4AEE-ADC2-FE51D16F6234}">
-  <ds:schemaRefs>
-    <ds:schemaRef ds:uri="http://schemas.microsoft.com/office/2006/metadata/properties"/>
-    <ds:schemaRef ds:uri="http://schemas.microsoft.com/office/infopath/2007/PartnerControls"/>
-  </ds:schemaRefs>
-</ds:datastoreItem>
+<file path=customXml/item3.xml><?xml version="1.0" encoding="utf-8"?>
+<?mso-contentType ?>
+<FormTemplates xmlns="http://schemas.microsoft.com/sharepoint/v3/contenttype/forms">
+  <Display>DocumentLibraryForm</Display>
+  <Edit>DocumentLibraryForm</Edit>
+  <New>DocumentLibraryForm</New>
+</FormTemplates>
 </file>
 
-<file path=customXml/itemProps3.xml><?xml version="1.0" encoding="utf-8"?>
+<file path=customXml/itemProps1.xml><?xml version="1.0" encoding="utf-8"?>
 <ds:datastoreItem xmlns:ds="http://schemas.openxmlformats.org/officeDocument/2006/customXml" ds:itemID="{37D0467E-9D91-4319-91FD-90E168EBF15D}">
   <ds:schemaRefs>
     <ds:schemaRef ds:uri="http://schemas.microsoft.com/office/2006/metadata/contentType"/>
@@ -7181,4 +8011,21 @@
     <ds:schemaRef ds:uri="http://schemas.microsoft.com/internal/obd"/>
   </ds:schemaRefs>
 </ds:datastoreItem>
+</file>
+
+<file path=customXml/itemProps2.xml><?xml version="1.0" encoding="utf-8"?>
+<ds:datastoreItem xmlns:ds="http://schemas.openxmlformats.org/officeDocument/2006/customXml" ds:itemID="{8E1455B4-EFFE-4AEE-ADC2-FE51D16F6234}">
+  <ds:schemaRefs>
+    <ds:schemaRef ds:uri="http://schemas.microsoft.com/office/2006/metadata/properties"/>
+    <ds:schemaRef ds:uri="http://schemas.microsoft.com/office/infopath/2007/PartnerControls"/>
+  </ds:schemaRefs>
+</ds:datastoreItem>
+</file>
+
+<file path=customXml/itemProps3.xml><?xml version="1.0" encoding="utf-8"?>
+<ds:datastoreItem xmlns:ds="http://schemas.openxmlformats.org/officeDocument/2006/customXml" ds:itemID="{166AD069-051C-46FD-A0CD-BDE143FEA57D}">
+  <ds:schemaRefs>
+    <ds:schemaRef ds:uri="http://schemas.microsoft.com/sharepoint/v3/contenttype/forms"/>
+  </ds:schemaRefs>
+</ds:datastoreItem>
 </file>
--- a/presentations/venue/nagykeri_bence/nagykeri_bence_prezi.pptx
+++ b/presentations/venue/nagykeri_bence/nagykeri_bence_prezi.pptx
@@ -216,7 +216,7 @@
           <a:p>
             <a:fld id="{916903C1-6CC5-42A4-BE37-66CE18986765}" type="datetimeFigureOut">
               <a:rPr lang="hu-HU" smtClean="0"/>
-              <a:t>2016.09.30.</a:t>
+              <a:t>2016.10.03.</a:t>
             </a:fld>
             <a:endParaRPr lang="hu-HU"/>
           </a:p>
@@ -634,7 +634,15 @@
             </a:r>
             <a:r>
               <a:rPr lang="hu-HU" baseline="0" dirty="0" smtClean="0"/>
-              <a:t>. A közös találkozások, a kommunikáció és a már megtanult eszközök mind elősegítették a fejlődést.</a:t>
+              <a:t>. A közös találkozások, a kommunikáció és a </a:t>
+            </a:r>
+            <a:r>
+              <a:rPr lang="hu-HU" baseline="0" dirty="0" smtClean="0"/>
+              <a:t>tanulásba fektetett energia mind </a:t>
+            </a:r>
+            <a:r>
+              <a:rPr lang="hu-HU" baseline="0" dirty="0" smtClean="0"/>
+              <a:t>elősegítették a fejlődést.</a:t>
             </a:r>
             <a:endParaRPr lang="hu-HU" dirty="0"/>
           </a:p>
@@ -722,8 +730,13 @@
           <a:p>
             <a:r>
               <a:rPr lang="hu-HU" dirty="0" smtClean="0"/>
-              <a:t>…</a:t>
-            </a:r>
+              <a:t>A célom ezzel a projekttel</a:t>
+            </a:r>
+            <a:r>
+              <a:rPr lang="hu-HU" baseline="0" dirty="0" smtClean="0"/>
+              <a:t> az volt, hogy minél több újdonságot tudjak megnézni, megtanulni. Kezdetben többet foglalkoztam a megjelenítéssel, ahol a fent említett eszközökkel ismerkedtem meg.</a:t>
+            </a:r>
+            <a:endParaRPr lang="hu-HU" dirty="0" smtClean="0"/>
           </a:p>
           <a:p>
             <a:endParaRPr lang="hu-HU" dirty="0"/>
@@ -812,8 +825,13 @@
           <a:p>
             <a:r>
               <a:rPr lang="hu-HU" dirty="0" smtClean="0"/>
-              <a:t>…</a:t>
-            </a:r>
+              <a:t>A szórakozóhelyek</a:t>
+            </a:r>
+            <a:r>
+              <a:rPr lang="hu-HU" baseline="0" dirty="0" smtClean="0"/>
+              <a:t> profiljánál található funkcionalitásokat valósítottam meg.</a:t>
+            </a:r>
+            <a:endParaRPr lang="hu-HU" dirty="0" smtClean="0"/>
           </a:p>
           <a:p>
             <a:endParaRPr lang="hu-HU" dirty="0"/>
@@ -902,8 +920,87 @@
           <a:p>
             <a:r>
               <a:rPr lang="hu-HU" dirty="0" smtClean="0"/>
-              <a:t>…</a:t>
-            </a:r>
+              <a:t>A profil</a:t>
+            </a:r>
+            <a:r>
+              <a:rPr lang="hu-HU" baseline="0" dirty="0" smtClean="0"/>
+              <a:t> oldalon megjelenítettem a szórakozóhelyek elhelyezkedését a </a:t>
+            </a:r>
+            <a:r>
+              <a:rPr lang="hu-HU" baseline="0" dirty="0" err="1" smtClean="0"/>
+              <a:t>PrimeFaces</a:t>
+            </a:r>
+            <a:r>
+              <a:rPr lang="hu-HU" baseline="0" dirty="0" smtClean="0"/>
+              <a:t> </a:t>
+            </a:r>
+            <a:r>
+              <a:rPr lang="hu-HU" baseline="0" dirty="0" err="1" smtClean="0"/>
+              <a:t>GMap</a:t>
+            </a:r>
+            <a:r>
+              <a:rPr lang="hu-HU" baseline="0" dirty="0" smtClean="0"/>
+              <a:t> komponens segítségével, amelyhez szükség volt hosszúsági és szélességi fokokra. A szórakozóhely címét át kellett konvertálni és ehhez felhasználtam a </a:t>
+            </a:r>
+            <a:r>
+              <a:rPr lang="hu-HU" baseline="0" dirty="0" err="1" smtClean="0"/>
+              <a:t>Google</a:t>
+            </a:r>
+            <a:r>
+              <a:rPr lang="hu-HU" baseline="0" dirty="0" smtClean="0"/>
+              <a:t> </a:t>
+            </a:r>
+            <a:r>
+              <a:rPr lang="hu-HU" baseline="0" dirty="0" err="1" smtClean="0"/>
+              <a:t>Maps</a:t>
+            </a:r>
+            <a:r>
+              <a:rPr lang="hu-HU" baseline="0" dirty="0" smtClean="0"/>
+              <a:t> </a:t>
+            </a:r>
+            <a:r>
+              <a:rPr lang="hu-HU" baseline="0" dirty="0" err="1" smtClean="0"/>
+              <a:t>Geocoding</a:t>
+            </a:r>
+            <a:r>
+              <a:rPr lang="hu-HU" baseline="0" dirty="0" smtClean="0"/>
+              <a:t> </a:t>
+            </a:r>
+            <a:r>
+              <a:rPr lang="hu-HU" baseline="0" dirty="0" err="1" smtClean="0"/>
+              <a:t>API-t</a:t>
+            </a:r>
+            <a:r>
+              <a:rPr lang="hu-HU" baseline="0" dirty="0" smtClean="0"/>
+              <a:t>.</a:t>
+            </a:r>
+          </a:p>
+          <a:p>
+            <a:r>
+              <a:rPr lang="hu-HU" baseline="0" dirty="0" smtClean="0"/>
+              <a:t>Email küldésére szolgáló Service osztályt is készítettem, amely jelenleg nincs használva, de a funkciók bővítése során felhasználható.</a:t>
+            </a:r>
+          </a:p>
+          <a:p>
+            <a:r>
+              <a:rPr lang="hu-HU" baseline="0" dirty="0" smtClean="0"/>
+              <a:t>Az alkalmazásmodulok közötti kommunikációt </a:t>
+            </a:r>
+            <a:r>
+              <a:rPr lang="hu-HU" baseline="0" dirty="0" err="1" smtClean="0"/>
+              <a:t>remote</a:t>
+            </a:r>
+            <a:r>
+              <a:rPr lang="hu-HU" baseline="0" dirty="0" smtClean="0"/>
+              <a:t> interfészekkel oldottuk meg.</a:t>
+            </a:r>
+          </a:p>
+          <a:p>
+            <a:r>
+              <a:rPr lang="hu-HU" baseline="0" dirty="0" smtClean="0"/>
+              <a:t>A projektmunka során nagy hangsúlyt fektettem arra, hogy ne csak egy működő kódot tudjak írni, hanem a kód legyen jó, olvasható. A megbeszélések során megfogadtam a csapatvezető tanácsait és aszerint szerveztem újra a kódot.</a:t>
+            </a:r>
+            <a:endParaRPr lang="hu-HU" dirty="0" smtClean="0"/>
           </a:p>
           <a:p>
             <a:endParaRPr lang="hu-HU" dirty="0"/>
@@ -992,8 +1089,13 @@
           <a:p>
             <a:r>
               <a:rPr lang="hu-HU" dirty="0" smtClean="0"/>
-              <a:t>…</a:t>
-            </a:r>
+              <a:t>Eddig még nem fejlesztettem</a:t>
+            </a:r>
+            <a:r>
+              <a:rPr lang="hu-HU" baseline="0" dirty="0" smtClean="0"/>
+              <a:t> csapatban, így ez volt az egyik legérdekesebb a bő egy hónap során.</a:t>
+            </a:r>
+            <a:endParaRPr lang="hu-HU" dirty="0" smtClean="0"/>
           </a:p>
           <a:p>
             <a:endParaRPr lang="hu-HU" dirty="0"/>
@@ -1167,7 +1269,7 @@
           <a:p>
             <a:fld id="{C6E8B002-83F0-41C5-A7B7-2819A96BD9B2}" type="datetimeFigureOut">
               <a:rPr lang="hu-HU" smtClean="0"/>
-              <a:t>2016.09.30.</a:t>
+              <a:t>2016.10.03.</a:t>
             </a:fld>
             <a:endParaRPr lang="hu-HU"/>
           </a:p>
@@ -1337,7 +1439,7 @@
           <a:p>
             <a:fld id="{C6E8B002-83F0-41C5-A7B7-2819A96BD9B2}" type="datetimeFigureOut">
               <a:rPr lang="hu-HU" smtClean="0"/>
-              <a:t>2016.09.30.</a:t>
+              <a:t>2016.10.03.</a:t>
             </a:fld>
             <a:endParaRPr lang="hu-HU"/>
           </a:p>
@@ -1517,7 +1619,7 @@
           <a:p>
             <a:fld id="{C6E8B002-83F0-41C5-A7B7-2819A96BD9B2}" type="datetimeFigureOut">
               <a:rPr lang="hu-HU" smtClean="0"/>
-              <a:t>2016.09.30.</a:t>
+              <a:t>2016.10.03.</a:t>
             </a:fld>
             <a:endParaRPr lang="hu-HU"/>
           </a:p>
@@ -1687,7 +1789,7 @@
           <a:p>
             <a:fld id="{C6E8B002-83F0-41C5-A7B7-2819A96BD9B2}" type="datetimeFigureOut">
               <a:rPr lang="hu-HU" smtClean="0"/>
-              <a:t>2016.09.30.</a:t>
+              <a:t>2016.10.03.</a:t>
             </a:fld>
             <a:endParaRPr lang="hu-HU"/>
           </a:p>
@@ -1931,7 +2033,7 @@
           <a:p>
             <a:fld id="{C6E8B002-83F0-41C5-A7B7-2819A96BD9B2}" type="datetimeFigureOut">
               <a:rPr lang="hu-HU" smtClean="0"/>
-              <a:t>2016.09.30.</a:t>
+              <a:t>2016.10.03.</a:t>
             </a:fld>
             <a:endParaRPr lang="hu-HU"/>
           </a:p>
@@ -2163,7 +2265,7 @@
           <a:p>
             <a:fld id="{C6E8B002-83F0-41C5-A7B7-2819A96BD9B2}" type="datetimeFigureOut">
               <a:rPr lang="hu-HU" smtClean="0"/>
-              <a:t>2016.09.30.</a:t>
+              <a:t>2016.10.03.</a:t>
             </a:fld>
             <a:endParaRPr lang="hu-HU"/>
           </a:p>
@@ -2530,7 +2632,7 @@
           <a:p>
             <a:fld id="{C6E8B002-83F0-41C5-A7B7-2819A96BD9B2}" type="datetimeFigureOut">
               <a:rPr lang="hu-HU" smtClean="0"/>
-              <a:t>2016.09.30.</a:t>
+              <a:t>2016.10.03.</a:t>
             </a:fld>
             <a:endParaRPr lang="hu-HU"/>
           </a:p>
@@ -2648,7 +2750,7 @@
           <a:p>
             <a:fld id="{C6E8B002-83F0-41C5-A7B7-2819A96BD9B2}" type="datetimeFigureOut">
               <a:rPr lang="hu-HU" smtClean="0"/>
-              <a:t>2016.09.30.</a:t>
+              <a:t>2016.10.03.</a:t>
             </a:fld>
             <a:endParaRPr lang="hu-HU"/>
           </a:p>
@@ -2743,7 +2845,7 @@
           <a:p>
             <a:fld id="{C6E8B002-83F0-41C5-A7B7-2819A96BD9B2}" type="datetimeFigureOut">
               <a:rPr lang="hu-HU" smtClean="0"/>
-              <a:t>2016.09.30.</a:t>
+              <a:t>2016.10.03.</a:t>
             </a:fld>
             <a:endParaRPr lang="hu-HU"/>
           </a:p>
@@ -3020,7 +3122,7 @@
           <a:p>
             <a:fld id="{C6E8B002-83F0-41C5-A7B7-2819A96BD9B2}" type="datetimeFigureOut">
               <a:rPr lang="hu-HU" smtClean="0"/>
-              <a:t>2016.09.30.</a:t>
+              <a:t>2016.10.03.</a:t>
             </a:fld>
             <a:endParaRPr lang="hu-HU"/>
           </a:p>
@@ -3277,7 +3379,7 @@
           <a:p>
             <a:fld id="{C6E8B002-83F0-41C5-A7B7-2819A96BD9B2}" type="datetimeFigureOut">
               <a:rPr lang="hu-HU" smtClean="0"/>
-              <a:t>2016.09.30.</a:t>
+              <a:t>2016.10.03.</a:t>
             </a:fld>
             <a:endParaRPr lang="hu-HU"/>
           </a:p>
@@ -3497,7 +3599,7 @@
           <a:p>
             <a:fld id="{C6E8B002-83F0-41C5-A7B7-2819A96BD9B2}" type="datetimeFigureOut">
               <a:rPr lang="hu-HU" smtClean="0"/>
-              <a:t>2016.09.30.</a:t>
+              <a:t>2016.10.03.</a:t>
             </a:fld>
             <a:endParaRPr lang="hu-HU"/>
           </a:p>
@@ -3943,7 +4045,7 @@
               <a:rPr lang="hu-HU" dirty="0" smtClean="0">
                 <a:latin typeface="+mj-lt"/>
               </a:rPr>
-              <a:t>A prezentáció</a:t>
+              <a:t>Project:</a:t>
             </a:r>
           </a:p>
           <a:p>
@@ -3954,9 +4056,9 @@
               <a:rPr lang="hu-HU" dirty="0" smtClean="0">
                 <a:latin typeface="+mj-lt"/>
               </a:rPr>
-              <a:t>címe ide jön</a:t>
-            </a:r>
-            <a:endParaRPr lang="hu-HU" dirty="0">
+              <a:t>VENUE</a:t>
+            </a:r>
+            <a:endParaRPr lang="hu-HU" dirty="0" smtClean="0">
               <a:latin typeface="+mj-lt"/>
             </a:endParaRPr>
           </a:p>
@@ -4023,7 +4125,14 @@
           <a:p>
             <a:r>
               <a:rPr lang="hu-HU" sz="1800" dirty="0" smtClean="0"/>
-              <a:t>A prezentáció címe ide jön</a:t>
+              <a:t>Project:</a:t>
+            </a:r>
+            <a:br>
+              <a:rPr lang="hu-HU" sz="1800" dirty="0" smtClean="0"/>
+            </a:br>
+            <a:r>
+              <a:rPr lang="hu-HU" sz="1800" dirty="0" smtClean="0"/>
+              <a:t>VENUE</a:t>
             </a:r>
             <a:endParaRPr lang="hu-HU" sz="1800" dirty="0"/>
           </a:p>
@@ -4367,8 +4476,15 @@
           <a:lstStyle/>
           <a:p>
             <a:r>
-              <a:rPr lang="hu-HU" sz="1800" dirty="0" smtClean="0"/>
-              <a:t>A prezentáció címe ide jön</a:t>
+              <a:rPr lang="hu-HU" sz="1800" dirty="0"/>
+              <a:t>Project:</a:t>
+            </a:r>
+            <a:br>
+              <a:rPr lang="hu-HU" sz="1800" dirty="0"/>
+            </a:br>
+            <a:r>
+              <a:rPr lang="hu-HU" sz="1800" dirty="0"/>
+              <a:t>VENUE</a:t>
             </a:r>
             <a:endParaRPr lang="hu-HU" sz="1800" dirty="0"/>
           </a:p>
@@ -4733,8 +4849,15 @@
           <a:lstStyle/>
           <a:p>
             <a:r>
-              <a:rPr lang="hu-HU" sz="1800" dirty="0" smtClean="0"/>
-              <a:t>A prezentáció címe ide jön</a:t>
+              <a:rPr lang="hu-HU" sz="1800" dirty="0"/>
+              <a:t>Project:</a:t>
+            </a:r>
+            <a:br>
+              <a:rPr lang="hu-HU" sz="1800" dirty="0"/>
+            </a:br>
+            <a:r>
+              <a:rPr lang="hu-HU" sz="1800" dirty="0"/>
+              <a:t>VENUE</a:t>
             </a:r>
             <a:endParaRPr lang="hu-HU" sz="1800" dirty="0"/>
           </a:p>
@@ -5099,8 +5222,15 @@
           <a:lstStyle/>
           <a:p>
             <a:r>
-              <a:rPr lang="hu-HU" sz="1800" dirty="0" smtClean="0"/>
-              <a:t>A prezentáció címe ide jön</a:t>
+              <a:rPr lang="hu-HU" sz="1800" dirty="0"/>
+              <a:t>Project:</a:t>
+            </a:r>
+            <a:br>
+              <a:rPr lang="hu-HU" sz="1800" dirty="0"/>
+            </a:br>
+            <a:r>
+              <a:rPr lang="hu-HU" sz="1800" dirty="0"/>
+              <a:t>VENUE</a:t>
             </a:r>
             <a:endParaRPr lang="hu-HU" sz="1800" dirty="0"/>
           </a:p>
@@ -5510,8 +5640,15 @@
           <a:lstStyle/>
           <a:p>
             <a:r>
-              <a:rPr lang="hu-HU" sz="1800" dirty="0" smtClean="0"/>
-              <a:t>A prezentáció címe ide jön</a:t>
+              <a:rPr lang="hu-HU" sz="1800" dirty="0"/>
+              <a:t>Project:</a:t>
+            </a:r>
+            <a:br>
+              <a:rPr lang="hu-HU" sz="1800" dirty="0"/>
+            </a:br>
+            <a:r>
+              <a:rPr lang="hu-HU" sz="1800" dirty="0"/>
+              <a:t>VENUE</a:t>
             </a:r>
             <a:endParaRPr lang="hu-HU" sz="1800" dirty="0"/>
           </a:p>
@@ -5888,8 +6025,15 @@
           <a:lstStyle/>
           <a:p>
             <a:r>
-              <a:rPr lang="hu-HU" sz="1800" dirty="0" smtClean="0"/>
-              <a:t>A prezentáció címe ide jön</a:t>
+              <a:rPr lang="hu-HU" sz="1800" dirty="0"/>
+              <a:t>Project:</a:t>
+            </a:r>
+            <a:br>
+              <a:rPr lang="hu-HU" sz="1800" dirty="0"/>
+            </a:br>
+            <a:r>
+              <a:rPr lang="hu-HU" sz="1800" dirty="0"/>
+              <a:t>VENUE</a:t>
             </a:r>
             <a:endParaRPr lang="hu-HU" sz="1800" dirty="0"/>
           </a:p>
@@ -6504,8 +6648,15 @@
           <a:lstStyle/>
           <a:p>
             <a:r>
-              <a:rPr lang="hu-HU" sz="1800" dirty="0" smtClean="0"/>
-              <a:t>A prezentáció címe ide jön</a:t>
+              <a:rPr lang="hu-HU" sz="1800" dirty="0"/>
+              <a:t>Project:</a:t>
+            </a:r>
+            <a:br>
+              <a:rPr lang="hu-HU" sz="1800" dirty="0"/>
+            </a:br>
+            <a:r>
+              <a:rPr lang="hu-HU" sz="1800" dirty="0"/>
+              <a:t>VENUE</a:t>
             </a:r>
             <a:endParaRPr lang="hu-HU" sz="1800" dirty="0"/>
           </a:p>
@@ -6534,16 +6685,10 @@
           <a:lstStyle/>
           <a:p>
             <a:r>
-              <a:rPr lang="hu-HU" sz="2800" b="1" dirty="0" err="1" smtClean="0">
-                <a:latin typeface="+mj-lt"/>
-              </a:rPr>
-              <a:t>Lekérdekesebb</a:t>
-            </a:r>
-            <a:r>
               <a:rPr lang="hu-HU" sz="2800" b="1" dirty="0" smtClean="0">
                 <a:latin typeface="+mj-lt"/>
               </a:rPr>
-              <a:t> feladat</a:t>
+              <a:t>Legérdekesebb feladat</a:t>
             </a:r>
           </a:p>
         </p:txBody>
@@ -6964,6 +7109,21 @@
               </a:rPr>
               <a:t>Csapatmunka</a:t>
             </a:r>
+          </a:p>
+          <a:p>
+            <a:pPr marL="342900" indent="-342900" algn="l">
+              <a:buFont typeface="Arial" panose="020B0604020202020204" pitchFamily="34" charset="0"/>
+              <a:buChar char="•"/>
+            </a:pPr>
+            <a:r>
+              <a:rPr lang="hu-HU" dirty="0" smtClean="0">
+                <a:latin typeface="+mj-lt"/>
+              </a:rPr>
+              <a:t>Problémák közös megoldása</a:t>
+            </a:r>
+            <a:endParaRPr lang="hu-HU" dirty="0" smtClean="0">
+              <a:latin typeface="+mj-lt"/>
+            </a:endParaRPr>
           </a:p>
         </p:txBody>
       </p:sp>
@@ -7833,6 +7993,21 @@
 </file>
 
 <file path=customXml/item1.xml><?xml version="1.0" encoding="utf-8"?>
+<p:properties xmlns:p="http://schemas.microsoft.com/office/2006/metadata/properties" xmlns:xsi="http://www.w3.org/2001/XMLSchema-instance" xmlns:pc="http://schemas.microsoft.com/office/infopath/2007/PartnerControls">
+  <documentManagement/>
+</p:properties>
+</file>
+
+<file path=customXml/item2.xml><?xml version="1.0" encoding="utf-8"?>
+<?mso-contentType ?>
+<FormTemplates xmlns="http://schemas.microsoft.com/sharepoint/v3/contenttype/forms">
+  <Display>DocumentLibraryForm</Display>
+  <Edit>DocumentLibraryForm</Edit>
+  <New>DocumentLibraryForm</New>
+</FormTemplates>
+</file>
+
+<file path=customXml/item3.xml><?xml version="1.0" encoding="utf-8"?>
 <ct:contentTypeSchema xmlns:ct="http://schemas.microsoft.com/office/2006/metadata/contentType" xmlns:ma="http://schemas.microsoft.com/office/2006/metadata/properties/metaAttributes" ct:_="" ma:_="" ma:contentTypeName="Dokumentum" ma:contentTypeID="0x010100AC862C676857C24E8FC2D32B30708833" ma:contentTypeVersion="2" ma:contentTypeDescription="Új dokumentum létrehozása." ma:contentTypeScope="" ma:versionID="0d2981163f66270cf1daba8c3c407cc5">
   <xsd:schema xmlns:xsd="http://www.w3.org/2001/XMLSchema" xmlns:xs="http://www.w3.org/2001/XMLSchema" xmlns:p="http://schemas.microsoft.com/office/2006/metadata/properties" xmlns:ns2="9a324a02-be43-499b-8089-7896e70993e7" targetNamespace="http://schemas.microsoft.com/office/2006/metadata/properties" ma:root="true" ma:fieldsID="4ce273e9ed9981a51826152e27a7d1ee" ns2:_="">
     <xsd:import namespace="9a324a02-be43-499b-8089-7896e70993e7"/>
@@ -7980,22 +8155,24 @@
 </ct:contentTypeSchema>
 </file>
 
-<file path=customXml/item2.xml><?xml version="1.0" encoding="utf-8"?>
-<p:properties xmlns:p="http://schemas.microsoft.com/office/2006/metadata/properties" xmlns:xsi="http://www.w3.org/2001/XMLSchema-instance" xmlns:pc="http://schemas.microsoft.com/office/infopath/2007/PartnerControls">
-  <documentManagement/>
-</p:properties>
+<file path=customXml/itemProps1.xml><?xml version="1.0" encoding="utf-8"?>
+<ds:datastoreItem xmlns:ds="http://schemas.openxmlformats.org/officeDocument/2006/customXml" ds:itemID="{8E1455B4-EFFE-4AEE-ADC2-FE51D16F6234}">
+  <ds:schemaRefs>
+    <ds:schemaRef ds:uri="http://schemas.microsoft.com/office/2006/metadata/properties"/>
+    <ds:schemaRef ds:uri="http://schemas.microsoft.com/office/infopath/2007/PartnerControls"/>
+  </ds:schemaRefs>
+</ds:datastoreItem>
 </file>
 
-<file path=customXml/item3.xml><?xml version="1.0" encoding="utf-8"?>
-<?mso-contentType ?>
-<FormTemplates xmlns="http://schemas.microsoft.com/sharepoint/v3/contenttype/forms">
-  <Display>DocumentLibraryForm</Display>
-  <Edit>DocumentLibraryForm</Edit>
-  <New>DocumentLibraryForm</New>
-</FormTemplates>
+<file path=customXml/itemProps2.xml><?xml version="1.0" encoding="utf-8"?>
+<ds:datastoreItem xmlns:ds="http://schemas.openxmlformats.org/officeDocument/2006/customXml" ds:itemID="{166AD069-051C-46FD-A0CD-BDE143FEA57D}">
+  <ds:schemaRefs>
+    <ds:schemaRef ds:uri="http://schemas.microsoft.com/sharepoint/v3/contenttype/forms"/>
+  </ds:schemaRefs>
+</ds:datastoreItem>
 </file>
 
-<file path=customXml/itemProps1.xml><?xml version="1.0" encoding="utf-8"?>
+<file path=customXml/itemProps3.xml><?xml version="1.0" encoding="utf-8"?>
 <ds:datastoreItem xmlns:ds="http://schemas.openxmlformats.org/officeDocument/2006/customXml" ds:itemID="{37D0467E-9D91-4319-91FD-90E168EBF15D}">
   <ds:schemaRefs>
     <ds:schemaRef ds:uri="http://schemas.microsoft.com/office/2006/metadata/contentType"/>
@@ -8011,21 +8188,4 @@
     <ds:schemaRef ds:uri="http://schemas.microsoft.com/internal/obd"/>
   </ds:schemaRefs>
 </ds:datastoreItem>
-</file>
-
-<file path=customXml/itemProps2.xml><?xml version="1.0" encoding="utf-8"?>
-<ds:datastoreItem xmlns:ds="http://schemas.openxmlformats.org/officeDocument/2006/customXml" ds:itemID="{8E1455B4-EFFE-4AEE-ADC2-FE51D16F6234}">
-  <ds:schemaRefs>
-    <ds:schemaRef ds:uri="http://schemas.microsoft.com/office/2006/metadata/properties"/>
-    <ds:schemaRef ds:uri="http://schemas.microsoft.com/office/infopath/2007/PartnerControls"/>
-  </ds:schemaRefs>
-</ds:datastoreItem>
-</file>
-
-<file path=customXml/itemProps3.xml><?xml version="1.0" encoding="utf-8"?>
-<ds:datastoreItem xmlns:ds="http://schemas.openxmlformats.org/officeDocument/2006/customXml" ds:itemID="{166AD069-051C-46FD-A0CD-BDE143FEA57D}">
-  <ds:schemaRefs>
-    <ds:schemaRef ds:uri="http://schemas.microsoft.com/sharepoint/v3/contenttype/forms"/>
-  </ds:schemaRefs>
-</ds:datastoreItem>
 </file>
--- a/presentations/venue/nagykeri_bence/nagykeri_bence_prezi.pptx
+++ b/presentations/venue/nagykeri_bence/nagykeri_bence_prezi.pptx
@@ -216,7 +216,7 @@
           <a:p>
             <a:fld id="{916903C1-6CC5-42A4-BE37-66CE18986765}" type="datetimeFigureOut">
               <a:rPr lang="hu-HU" smtClean="0"/>
-              <a:t>2016.10.03.</a:t>
+              <a:t>2016.10.07.</a:t>
             </a:fld>
             <a:endParaRPr lang="hu-HU"/>
           </a:p>
@@ -530,11 +530,35 @@
           <a:p>
             <a:r>
               <a:rPr lang="hu-HU" dirty="0" smtClean="0"/>
-              <a:t>A projekt kezdetekor sok problémába</a:t>
+              <a:t>Jó estét kívánok!</a:t>
             </a:r>
             <a:r>
               <a:rPr lang="hu-HU" baseline="0" dirty="0" smtClean="0"/>
-              <a:t> ütköztünk, hiszen senkinek nem volt tapasztalata nem csak a technológiákban, de még  a közös munkafolyamatokban sem. Kevés kommunikáció zajlott közöttünk. Fontos megemlíteni, hogy az első héten sok olyan munka zajlott, ami a projektben nem mutatott előrelépést, csak mi fejlődtünk vele. </a:t>
+              <a:t> </a:t>
+            </a:r>
+            <a:r>
+              <a:rPr lang="hu-HU" baseline="0" dirty="0" err="1" smtClean="0"/>
+              <a:t>Nagykéri</a:t>
+            </a:r>
+            <a:r>
+              <a:rPr lang="hu-HU" baseline="0" dirty="0" smtClean="0"/>
+              <a:t> Bence vagyok, a Debreceni Egyetem programtervező informatikus hallgatója. Én a </a:t>
+            </a:r>
+            <a:r>
+              <a:rPr lang="hu-HU" baseline="0" dirty="0" err="1" smtClean="0"/>
+              <a:t>venue</a:t>
+            </a:r>
+            <a:r>
+              <a:rPr lang="hu-HU" baseline="0" dirty="0" smtClean="0"/>
+              <a:t> csapatban dolgoztam, </a:t>
+            </a:r>
+            <a:r>
+              <a:rPr lang="hu-HU" baseline="0" dirty="0" err="1" smtClean="0"/>
+              <a:t>Czégényi</a:t>
+            </a:r>
+            <a:r>
+              <a:rPr lang="hu-HU" baseline="0" dirty="0" smtClean="0"/>
+              <a:t> Rolanddal és Sályi Szabolccsal együtt.</a:t>
             </a:r>
             <a:endParaRPr lang="hu-HU" dirty="0"/>
           </a:p>
@@ -557,7 +581,7 @@
           <a:p>
             <a:fld id="{75E948E4-5B8B-4A71-8AC0-CAD3839CCA09}" type="slidenum">
               <a:rPr lang="hu-HU" smtClean="0"/>
-              <a:t>3</a:t>
+              <a:t>2</a:t>
             </a:fld>
             <a:endParaRPr lang="hu-HU"/>
           </a:p>
@@ -566,7 +590,7 @@
     </p:spTree>
     <p:extLst>
       <p:ext uri="{BB962C8B-B14F-4D97-AF65-F5344CB8AC3E}">
-        <p14:creationId xmlns:p14="http://schemas.microsoft.com/office/powerpoint/2010/main" val="1869426502"/>
+        <p14:creationId xmlns:p14="http://schemas.microsoft.com/office/powerpoint/2010/main" val="2917017652"/>
       </p:ext>
     </p:extLst>
   </p:cSld>
@@ -622,27 +646,27 @@
           <a:p>
             <a:r>
               <a:rPr lang="hu-HU" dirty="0" smtClean="0"/>
-              <a:t>Az</a:t>
+              <a:t>A projekt kezdetekor sok problémába</a:t>
             </a:r>
             <a:r>
               <a:rPr lang="hu-HU" baseline="0" dirty="0" smtClean="0"/>
-              <a:t> első hét után rájöttünk, ha ilyen tempóban haladunk, akkor nem lesz semmink sem. 180°-ot vett a haladásunk és egyre hatékonyabban oldottuk meg a felvett </a:t>
-            </a:r>
-            <a:r>
-              <a:rPr lang="hu-HU" baseline="0" dirty="0" err="1" smtClean="0"/>
-              <a:t>taskokat</a:t>
+              <a:t> ütköztünk, hiszen senkinek nem volt tapasztalata </a:t>
             </a:r>
             <a:r>
               <a:rPr lang="hu-HU" baseline="0" dirty="0" smtClean="0"/>
-              <a:t>. A közös találkozások, a kommunikáció és a </a:t>
+              <a:t>technológiákban</a:t>
             </a:r>
             <a:r>
               <a:rPr lang="hu-HU" baseline="0" dirty="0" smtClean="0"/>
-              <a:t>tanulásba fektetett energia mind </a:t>
+              <a:t>, </a:t>
             </a:r>
             <a:r>
               <a:rPr lang="hu-HU" baseline="0" dirty="0" smtClean="0"/>
-              <a:t>elősegítették a fejlődést.</a:t>
+              <a:t>illetve a </a:t>
+            </a:r>
+            <a:r>
+              <a:rPr lang="hu-HU" baseline="0" dirty="0" smtClean="0"/>
+              <a:t>közös munkafolyamatokban sem. Kevés kommunikáció zajlott közöttünk. Fontos megemlíteni, hogy az első héten sok olyan munka zajlott, ami a projektben nem mutatott előrelépést, csak mi fejlődtünk vele. </a:t>
             </a:r>
             <a:endParaRPr lang="hu-HU" dirty="0"/>
           </a:p>
@@ -665,7 +689,7 @@
           <a:p>
             <a:fld id="{75E948E4-5B8B-4A71-8AC0-CAD3839CCA09}" type="slidenum">
               <a:rPr lang="hu-HU" smtClean="0"/>
-              <a:t>4</a:t>
+              <a:t>3</a:t>
             </a:fld>
             <a:endParaRPr lang="hu-HU"/>
           </a:p>
@@ -674,7 +698,7 @@
     </p:spTree>
     <p:extLst>
       <p:ext uri="{BB962C8B-B14F-4D97-AF65-F5344CB8AC3E}">
-        <p14:creationId xmlns:p14="http://schemas.microsoft.com/office/powerpoint/2010/main" val="3080993503"/>
+        <p14:creationId xmlns:p14="http://schemas.microsoft.com/office/powerpoint/2010/main" val="1869426502"/>
       </p:ext>
     </p:extLst>
   </p:cSld>
@@ -730,15 +754,20 @@
           <a:p>
             <a:r>
               <a:rPr lang="hu-HU" dirty="0" smtClean="0"/>
-              <a:t>A célom ezzel a projekttel</a:t>
+              <a:t>Az</a:t>
             </a:r>
             <a:r>
               <a:rPr lang="hu-HU" baseline="0" dirty="0" smtClean="0"/>
-              <a:t> az volt, hogy minél több újdonságot tudjak megnézni, megtanulni. Kezdetben többet foglalkoztam a megjelenítéssel, ahol a fent említett eszközökkel ismerkedtem meg.</a:t>
-            </a:r>
-            <a:endParaRPr lang="hu-HU" dirty="0" smtClean="0"/>
-          </a:p>
-          <a:p>
+              <a:t> első hét után rájöttünk, ha ilyen tempóban haladunk, akkor nem lesz semmink sem. 180°-ot vett a haladásunk és egyre hatékonyabban oldottuk meg a felvett </a:t>
+            </a:r>
+            <a:r>
+              <a:rPr lang="hu-HU" baseline="0" dirty="0" err="1" smtClean="0"/>
+              <a:t>taskokat</a:t>
+            </a:r>
+            <a:r>
+              <a:rPr lang="hu-HU" baseline="0" dirty="0" smtClean="0"/>
+              <a:t>. A közös találkozások, a kommunikáció és a tanulásba fektetett energia mind elősegítették a fejlődést.</a:t>
+            </a:r>
             <a:endParaRPr lang="hu-HU" dirty="0"/>
           </a:p>
         </p:txBody>
@@ -760,7 +789,7 @@
           <a:p>
             <a:fld id="{75E948E4-5B8B-4A71-8AC0-CAD3839CCA09}" type="slidenum">
               <a:rPr lang="hu-HU" smtClean="0"/>
-              <a:t>5</a:t>
+              <a:t>4</a:t>
             </a:fld>
             <a:endParaRPr lang="hu-HU"/>
           </a:p>
@@ -769,7 +798,7 @@
     </p:spTree>
     <p:extLst>
       <p:ext uri="{BB962C8B-B14F-4D97-AF65-F5344CB8AC3E}">
-        <p14:creationId xmlns:p14="http://schemas.microsoft.com/office/powerpoint/2010/main" val="3226195321"/>
+        <p14:creationId xmlns:p14="http://schemas.microsoft.com/office/powerpoint/2010/main" val="3080993503"/>
       </p:ext>
     </p:extLst>
   </p:cSld>
@@ -825,11 +854,35 @@
           <a:p>
             <a:r>
               <a:rPr lang="hu-HU" dirty="0" smtClean="0"/>
-              <a:t>A szórakozóhelyek</a:t>
+              <a:t>A célom ezzel a projekttel</a:t>
             </a:r>
             <a:r>
               <a:rPr lang="hu-HU" baseline="0" dirty="0" smtClean="0"/>
-              <a:t> profiljánál található funkcionalitásokat valósítottam meg.</a:t>
+              <a:t> az volt, hogy minél több újdonságot tudjak megnézni, megtanulni. Kezdetben többet foglalkoztam a megjelenítéssel, ahol a </a:t>
+            </a:r>
+            <a:r>
+              <a:rPr lang="hu-HU" baseline="0" dirty="0" err="1" smtClean="0"/>
+              <a:t>JSF-fel</a:t>
+            </a:r>
+            <a:r>
+              <a:rPr lang="hu-HU" baseline="0" dirty="0" smtClean="0"/>
+              <a:t>, </a:t>
+            </a:r>
+            <a:r>
+              <a:rPr lang="hu-HU" baseline="0" dirty="0" err="1" smtClean="0"/>
+              <a:t>PrimeFaces-zel</a:t>
+            </a:r>
+            <a:r>
+              <a:rPr lang="hu-HU" baseline="0" dirty="0" smtClean="0"/>
+              <a:t> és a </a:t>
+            </a:r>
+            <a:r>
+              <a:rPr lang="hu-HU" baseline="0" dirty="0" err="1" smtClean="0"/>
+              <a:t>CSS-sel</a:t>
+            </a:r>
+            <a:r>
+              <a:rPr lang="hu-HU" baseline="0" dirty="0" smtClean="0"/>
+              <a:t> ismerkedtem meg többek között.</a:t>
             </a:r>
             <a:endParaRPr lang="hu-HU" dirty="0" smtClean="0"/>
           </a:p>
@@ -855,7 +908,7 @@
           <a:p>
             <a:fld id="{75E948E4-5B8B-4A71-8AC0-CAD3839CCA09}" type="slidenum">
               <a:rPr lang="hu-HU" smtClean="0"/>
-              <a:t>6</a:t>
+              <a:t>5</a:t>
             </a:fld>
             <a:endParaRPr lang="hu-HU"/>
           </a:p>
@@ -864,7 +917,7 @@
     </p:spTree>
     <p:extLst>
       <p:ext uri="{BB962C8B-B14F-4D97-AF65-F5344CB8AC3E}">
-        <p14:creationId xmlns:p14="http://schemas.microsoft.com/office/powerpoint/2010/main" val="24297954"/>
+        <p14:creationId xmlns:p14="http://schemas.microsoft.com/office/powerpoint/2010/main" val="3226195321"/>
       </p:ext>
     </p:extLst>
   </p:cSld>
@@ -920,85 +973,15 @@
           <a:p>
             <a:r>
               <a:rPr lang="hu-HU" dirty="0" smtClean="0"/>
-              <a:t>A profil</a:t>
+              <a:t>A szórakozóhelyek</a:t>
             </a:r>
             <a:r>
               <a:rPr lang="hu-HU" baseline="0" dirty="0" smtClean="0"/>
-              <a:t> oldalon megjelenítettem a szórakozóhelyek elhelyezkedését a </a:t>
-            </a:r>
-            <a:r>
-              <a:rPr lang="hu-HU" baseline="0" dirty="0" err="1" smtClean="0"/>
-              <a:t>PrimeFaces</a:t>
+              <a:t> profiljánál </a:t>
             </a:r>
             <a:r>
               <a:rPr lang="hu-HU" baseline="0" dirty="0" smtClean="0"/>
-              <a:t> </a:t>
-            </a:r>
-            <a:r>
-              <a:rPr lang="hu-HU" baseline="0" dirty="0" err="1" smtClean="0"/>
-              <a:t>GMap</a:t>
-            </a:r>
-            <a:r>
-              <a:rPr lang="hu-HU" baseline="0" dirty="0" smtClean="0"/>
-              <a:t> komponens segítségével, amelyhez szükség volt hosszúsági és szélességi fokokra. A szórakozóhely címét át kellett konvertálni és ehhez felhasználtam a </a:t>
-            </a:r>
-            <a:r>
-              <a:rPr lang="hu-HU" baseline="0" dirty="0" err="1" smtClean="0"/>
-              <a:t>Google</a:t>
-            </a:r>
-            <a:r>
-              <a:rPr lang="hu-HU" baseline="0" dirty="0" smtClean="0"/>
-              <a:t> </a:t>
-            </a:r>
-            <a:r>
-              <a:rPr lang="hu-HU" baseline="0" dirty="0" err="1" smtClean="0"/>
-              <a:t>Maps</a:t>
-            </a:r>
-            <a:r>
-              <a:rPr lang="hu-HU" baseline="0" dirty="0" smtClean="0"/>
-              <a:t> </a:t>
-            </a:r>
-            <a:r>
-              <a:rPr lang="hu-HU" baseline="0" dirty="0" err="1" smtClean="0"/>
-              <a:t>Geocoding</a:t>
-            </a:r>
-            <a:r>
-              <a:rPr lang="hu-HU" baseline="0" dirty="0" smtClean="0"/>
-              <a:t> </a:t>
-            </a:r>
-            <a:r>
-              <a:rPr lang="hu-HU" baseline="0" dirty="0" err="1" smtClean="0"/>
-              <a:t>API-t</a:t>
-            </a:r>
-            <a:r>
-              <a:rPr lang="hu-HU" baseline="0" dirty="0" smtClean="0"/>
-              <a:t>.</a:t>
-            </a:r>
-          </a:p>
-          <a:p>
-            <a:r>
-              <a:rPr lang="hu-HU" baseline="0" dirty="0" smtClean="0"/>
-              <a:t>Email küldésére szolgáló Service osztályt is készítettem, amely jelenleg nincs használva, de a funkciók bővítése során felhasználható.</a:t>
-            </a:r>
-          </a:p>
-          <a:p>
-            <a:r>
-              <a:rPr lang="hu-HU" baseline="0" dirty="0" smtClean="0"/>
-              <a:t>Az alkalmazásmodulok közötti kommunikációt </a:t>
-            </a:r>
-            <a:r>
-              <a:rPr lang="hu-HU" baseline="0" dirty="0" err="1" smtClean="0"/>
-              <a:t>remote</a:t>
-            </a:r>
-            <a:r>
-              <a:rPr lang="hu-HU" baseline="0" dirty="0" smtClean="0"/>
-              <a:t> interfészekkel oldottuk meg.</a:t>
-            </a:r>
-          </a:p>
-          <a:p>
-            <a:r>
-              <a:rPr lang="hu-HU" baseline="0" dirty="0" smtClean="0"/>
-              <a:t>A projektmunka során nagy hangsúlyt fektettem arra, hogy ne csak egy működő kódot tudjak írni, hanem a kód legyen jó, olvasható. A megbeszélések során megfogadtam a csapatvezető tanácsait és aszerint szerveztem újra a kódot.</a:t>
+              <a:t>több funkciót is megvalósítottam, mint például az egész szórakozóhely profil oldal kinézete és módosíthatósága, vagy akár a profilkép kiválasztása.</a:t>
             </a:r>
             <a:endParaRPr lang="hu-HU" dirty="0" smtClean="0"/>
           </a:p>
@@ -1024,7 +1007,7 @@
           <a:p>
             <a:fld id="{75E948E4-5B8B-4A71-8AC0-CAD3839CCA09}" type="slidenum">
               <a:rPr lang="hu-HU" smtClean="0"/>
-              <a:t>7</a:t>
+              <a:t>6</a:t>
             </a:fld>
             <a:endParaRPr lang="hu-HU"/>
           </a:p>
@@ -1033,7 +1016,7 @@
     </p:spTree>
     <p:extLst>
       <p:ext uri="{BB962C8B-B14F-4D97-AF65-F5344CB8AC3E}">
-        <p14:creationId xmlns:p14="http://schemas.microsoft.com/office/powerpoint/2010/main" val="3291545883"/>
+        <p14:creationId xmlns:p14="http://schemas.microsoft.com/office/powerpoint/2010/main" val="24297954"/>
       </p:ext>
     </p:extLst>
   </p:cSld>
@@ -1089,11 +1072,205 @@
           <a:p>
             <a:r>
               <a:rPr lang="hu-HU" dirty="0" smtClean="0"/>
+              <a:t>A profil</a:t>
+            </a:r>
+            <a:r>
+              <a:rPr lang="hu-HU" baseline="0" dirty="0" smtClean="0"/>
+              <a:t> oldalon megjelenítettem a szórakozóhelyek elhelyezkedését a </a:t>
+            </a:r>
+            <a:r>
+              <a:rPr lang="hu-HU" baseline="0" dirty="0" err="1" smtClean="0"/>
+              <a:t>PrimeFaces</a:t>
+            </a:r>
+            <a:r>
+              <a:rPr lang="hu-HU" baseline="0" dirty="0" smtClean="0"/>
+              <a:t> </a:t>
+            </a:r>
+            <a:r>
+              <a:rPr lang="hu-HU" baseline="0" dirty="0" err="1" smtClean="0"/>
+              <a:t>GMap</a:t>
+            </a:r>
+            <a:r>
+              <a:rPr lang="hu-HU" baseline="0" dirty="0" smtClean="0"/>
+              <a:t> komponens segítségével, amelyhez szükség volt hosszúsági és szélességi fokokra. A szórakozóhely címét át kellett konvertálni és ehhez felhasználtam a </a:t>
+            </a:r>
+            <a:r>
+              <a:rPr lang="hu-HU" baseline="0" dirty="0" err="1" smtClean="0"/>
+              <a:t>Google</a:t>
+            </a:r>
+            <a:r>
+              <a:rPr lang="hu-HU" baseline="0" dirty="0" smtClean="0"/>
+              <a:t> </a:t>
+            </a:r>
+            <a:r>
+              <a:rPr lang="hu-HU" baseline="0" dirty="0" err="1" smtClean="0"/>
+              <a:t>Maps</a:t>
+            </a:r>
+            <a:r>
+              <a:rPr lang="hu-HU" baseline="0" dirty="0" smtClean="0"/>
+              <a:t> </a:t>
+            </a:r>
+            <a:r>
+              <a:rPr lang="hu-HU" baseline="0" dirty="0" err="1" smtClean="0"/>
+              <a:t>Geocoding</a:t>
+            </a:r>
+            <a:r>
+              <a:rPr lang="hu-HU" baseline="0" dirty="0" smtClean="0"/>
+              <a:t> </a:t>
+            </a:r>
+            <a:r>
+              <a:rPr lang="hu-HU" baseline="0" dirty="0" err="1" smtClean="0"/>
+              <a:t>API-t</a:t>
+            </a:r>
+            <a:r>
+              <a:rPr lang="hu-HU" baseline="0" dirty="0" smtClean="0"/>
+              <a:t>.</a:t>
+            </a:r>
+          </a:p>
+          <a:p>
+            <a:r>
+              <a:rPr lang="hu-HU" baseline="0" dirty="0" smtClean="0"/>
+              <a:t>Email küldésére szolgáló Service osztályt is készítettem, amely jelenleg nincs használva, de </a:t>
+            </a:r>
+            <a:r>
+              <a:rPr lang="hu-HU" baseline="0" dirty="0" smtClean="0"/>
+              <a:t>új </a:t>
+            </a:r>
+            <a:r>
+              <a:rPr lang="hu-HU" baseline="0" dirty="0" smtClean="0"/>
+              <a:t>funkciók </a:t>
+            </a:r>
+            <a:r>
+              <a:rPr lang="hu-HU" baseline="0" dirty="0" smtClean="0"/>
+              <a:t>implementálása során </a:t>
+            </a:r>
+            <a:r>
+              <a:rPr lang="hu-HU" baseline="0" dirty="0" smtClean="0"/>
+              <a:t>felhasználható.</a:t>
+            </a:r>
+          </a:p>
+          <a:p>
+            <a:r>
+              <a:rPr lang="hu-HU" baseline="0" dirty="0" smtClean="0"/>
+              <a:t>Az alkalmazásmodulok közötti kommunikációt </a:t>
+            </a:r>
+            <a:r>
+              <a:rPr lang="hu-HU" baseline="0" dirty="0" err="1" smtClean="0"/>
+              <a:t>remote</a:t>
+            </a:r>
+            <a:r>
+              <a:rPr lang="hu-HU" baseline="0" dirty="0" smtClean="0"/>
+              <a:t> interfészekkel oldottuk meg</a:t>
+            </a:r>
+            <a:r>
+              <a:rPr lang="hu-HU" baseline="0" dirty="0" smtClean="0"/>
+              <a:t>. Ennek az implementálásában is részt vettem.</a:t>
+            </a:r>
+            <a:endParaRPr lang="hu-HU" baseline="0" dirty="0" smtClean="0"/>
+          </a:p>
+          <a:p>
+            <a:r>
+              <a:rPr lang="hu-HU" baseline="0" dirty="0" smtClean="0"/>
+              <a:t>A projektmunka során nagy hangsúlyt fektettem arra, hogy ne csak egy működő kódot tudjak írni, hanem a kód legyen jó, olvasható. A megbeszélések során megfogadtam a csapatvezető tanácsait és aszerint szerveztem újra a kódot.</a:t>
+            </a:r>
+            <a:endParaRPr lang="hu-HU" dirty="0" smtClean="0"/>
+          </a:p>
+          <a:p>
+            <a:endParaRPr lang="hu-HU" dirty="0"/>
+          </a:p>
+        </p:txBody>
+      </p:sp>
+      <p:sp>
+        <p:nvSpPr>
+          <p:cNvPr id="4" name="Dia számának helye 3"/>
+          <p:cNvSpPr>
+            <a:spLocks noGrp="1"/>
+          </p:cNvSpPr>
+          <p:nvPr>
+            <p:ph type="sldNum" sz="quarter" idx="10"/>
+          </p:nvPr>
+        </p:nvSpPr>
+        <p:spPr/>
+        <p:txBody>
+          <a:bodyPr/>
+          <a:lstStyle/>
+          <a:p>
+            <a:fld id="{75E948E4-5B8B-4A71-8AC0-CAD3839CCA09}" type="slidenum">
+              <a:rPr lang="hu-HU" smtClean="0"/>
+              <a:t>7</a:t>
+            </a:fld>
+            <a:endParaRPr lang="hu-HU"/>
+          </a:p>
+        </p:txBody>
+      </p:sp>
+    </p:spTree>
+    <p:extLst>
+      <p:ext uri="{BB962C8B-B14F-4D97-AF65-F5344CB8AC3E}">
+        <p14:creationId xmlns:p14="http://schemas.microsoft.com/office/powerpoint/2010/main" val="3291545883"/>
+      </p:ext>
+    </p:extLst>
+  </p:cSld>
+  <p:clrMapOvr>
+    <a:masterClrMapping/>
+  </p:clrMapOvr>
+</p:notes>
+</file>
+
+<file path=ppt/notesSlides/notesSlide7.xml><?xml version="1.0" encoding="utf-8"?>
+<p:notes xmlns:a="http://schemas.openxmlformats.org/drawingml/2006/main" xmlns:r="http://schemas.openxmlformats.org/officeDocument/2006/relationships" xmlns:p="http://schemas.openxmlformats.org/presentationml/2006/main">
+  <p:cSld>
+    <p:spTree>
+      <p:nvGrpSpPr>
+        <p:cNvPr id="1" name=""/>
+        <p:cNvGrpSpPr/>
+        <p:nvPr/>
+      </p:nvGrpSpPr>
+      <p:grpSpPr>
+        <a:xfrm>
+          <a:off x="0" y="0"/>
+          <a:ext cx="0" cy="0"/>
+          <a:chOff x="0" y="0"/>
+          <a:chExt cx="0" cy="0"/>
+        </a:xfrm>
+      </p:grpSpPr>
+      <p:sp>
+        <p:nvSpPr>
+          <p:cNvPr id="2" name="Diakép helye 1"/>
+          <p:cNvSpPr>
+            <a:spLocks noGrp="1" noRot="1" noChangeAspect="1"/>
+          </p:cNvSpPr>
+          <p:nvPr>
+            <p:ph type="sldImg"/>
+          </p:nvPr>
+        </p:nvSpPr>
+        <p:spPr/>
+      </p:sp>
+      <p:sp>
+        <p:nvSpPr>
+          <p:cNvPr id="3" name="Jegyzetek helye 2"/>
+          <p:cNvSpPr>
+            <a:spLocks noGrp="1"/>
+          </p:cNvSpPr>
+          <p:nvPr>
+            <p:ph type="body" idx="1"/>
+          </p:nvPr>
+        </p:nvSpPr>
+        <p:spPr/>
+        <p:txBody>
+          <a:bodyPr/>
+          <a:lstStyle/>
+          <a:p>
+            <a:r>
+              <a:rPr lang="hu-HU" dirty="0" smtClean="0"/>
               <a:t>Eddig még nem fejlesztettem</a:t>
             </a:r>
             <a:r>
               <a:rPr lang="hu-HU" baseline="0" dirty="0" smtClean="0"/>
-              <a:t> csapatban, így ez volt az egyik legérdekesebb a bő egy hónap során.</a:t>
+              <a:t> csapatban, így ez volt az egyik legérdekesebb a </a:t>
+            </a:r>
+            <a:r>
+              <a:rPr lang="hu-HU" baseline="0" dirty="0" smtClean="0"/>
+              <a:t>két hónap alatt. Ebbe bele értem azt is, hogy KANBAN metodológia alapján fejlesztettünk. Összességében egy jó csapat alakult ki, segítettük egymást a feladatokban. Azt hiszem mindenki nevében mondhatom, hogy nagyon hasznos volt az így eltöltött idő, sokat fejlődtünk a projektmunka során.</a:t>
             </a:r>
             <a:endParaRPr lang="hu-HU" dirty="0" smtClean="0"/>
           </a:p>
@@ -1269,7 +1446,7 @@
           <a:p>
             <a:fld id="{C6E8B002-83F0-41C5-A7B7-2819A96BD9B2}" type="datetimeFigureOut">
               <a:rPr lang="hu-HU" smtClean="0"/>
-              <a:t>2016.10.03.</a:t>
+              <a:t>2016.10.07.</a:t>
             </a:fld>
             <a:endParaRPr lang="hu-HU"/>
           </a:p>
@@ -1439,7 +1616,7 @@
           <a:p>
             <a:fld id="{C6E8B002-83F0-41C5-A7B7-2819A96BD9B2}" type="datetimeFigureOut">
               <a:rPr lang="hu-HU" smtClean="0"/>
-              <a:t>2016.10.03.</a:t>
+              <a:t>2016.10.07.</a:t>
             </a:fld>
             <a:endParaRPr lang="hu-HU"/>
           </a:p>
@@ -1619,7 +1796,7 @@
           <a:p>
             <a:fld id="{C6E8B002-83F0-41C5-A7B7-2819A96BD9B2}" type="datetimeFigureOut">
               <a:rPr lang="hu-HU" smtClean="0"/>
-              <a:t>2016.10.03.</a:t>
+              <a:t>2016.10.07.</a:t>
             </a:fld>
             <a:endParaRPr lang="hu-HU"/>
           </a:p>
@@ -1789,7 +1966,7 @@
           <a:p>
             <a:fld id="{C6E8B002-83F0-41C5-A7B7-2819A96BD9B2}" type="datetimeFigureOut">
               <a:rPr lang="hu-HU" smtClean="0"/>
-              <a:t>2016.10.03.</a:t>
+              <a:t>2016.10.07.</a:t>
             </a:fld>
             <a:endParaRPr lang="hu-HU"/>
           </a:p>
@@ -2033,7 +2210,7 @@
           <a:p>
             <a:fld id="{C6E8B002-83F0-41C5-A7B7-2819A96BD9B2}" type="datetimeFigureOut">
               <a:rPr lang="hu-HU" smtClean="0"/>
-              <a:t>2016.10.03.</a:t>
+              <a:t>2016.10.07.</a:t>
             </a:fld>
             <a:endParaRPr lang="hu-HU"/>
           </a:p>
@@ -2265,7 +2442,7 @@
           <a:p>
             <a:fld id="{C6E8B002-83F0-41C5-A7B7-2819A96BD9B2}" type="datetimeFigureOut">
               <a:rPr lang="hu-HU" smtClean="0"/>
-              <a:t>2016.10.03.</a:t>
+              <a:t>2016.10.07.</a:t>
             </a:fld>
             <a:endParaRPr lang="hu-HU"/>
           </a:p>
@@ -2632,7 +2809,7 @@
           <a:p>
             <a:fld id="{C6E8B002-83F0-41C5-A7B7-2819A96BD9B2}" type="datetimeFigureOut">
               <a:rPr lang="hu-HU" smtClean="0"/>
-              <a:t>2016.10.03.</a:t>
+              <a:t>2016.10.07.</a:t>
             </a:fld>
             <a:endParaRPr lang="hu-HU"/>
           </a:p>
@@ -2750,7 +2927,7 @@
           <a:p>
             <a:fld id="{C6E8B002-83F0-41C5-A7B7-2819A96BD9B2}" type="datetimeFigureOut">
               <a:rPr lang="hu-HU" smtClean="0"/>
-              <a:t>2016.10.03.</a:t>
+              <a:t>2016.10.07.</a:t>
             </a:fld>
             <a:endParaRPr lang="hu-HU"/>
           </a:p>
@@ -2845,7 +3022,7 @@
           <a:p>
             <a:fld id="{C6E8B002-83F0-41C5-A7B7-2819A96BD9B2}" type="datetimeFigureOut">
               <a:rPr lang="hu-HU" smtClean="0"/>
-              <a:t>2016.10.03.</a:t>
+              <a:t>2016.10.07.</a:t>
             </a:fld>
             <a:endParaRPr lang="hu-HU"/>
           </a:p>
@@ -3122,7 +3299,7 @@
           <a:p>
             <a:fld id="{C6E8B002-83F0-41C5-A7B7-2819A96BD9B2}" type="datetimeFigureOut">
               <a:rPr lang="hu-HU" smtClean="0"/>
-              <a:t>2016.10.03.</a:t>
+              <a:t>2016.10.07.</a:t>
             </a:fld>
             <a:endParaRPr lang="hu-HU"/>
           </a:p>
@@ -3379,7 +3556,7 @@
           <a:p>
             <a:fld id="{C6E8B002-83F0-41C5-A7B7-2819A96BD9B2}" type="datetimeFigureOut">
               <a:rPr lang="hu-HU" smtClean="0"/>
-              <a:t>2016.10.03.</a:t>
+              <a:t>2016.10.07.</a:t>
             </a:fld>
             <a:endParaRPr lang="hu-HU"/>
           </a:p>
@@ -3599,7 +3776,7 @@
           <a:p>
             <a:fld id="{C6E8B002-83F0-41C5-A7B7-2819A96BD9B2}" type="datetimeFigureOut">
               <a:rPr lang="hu-HU" smtClean="0"/>
-              <a:t>2016.10.03.</a:t>
+              <a:t>2016.10.07.</a:t>
             </a:fld>
             <a:endParaRPr lang="hu-HU"/>
           </a:p>
@@ -4058,9 +4235,6 @@
               </a:rPr>
               <a:t>VENUE</a:t>
             </a:r>
-            <a:endParaRPr lang="hu-HU" dirty="0" smtClean="0">
-              <a:latin typeface="+mj-lt"/>
-            </a:endParaRPr>
           </a:p>
         </p:txBody>
       </p:sp>
@@ -4178,16 +4352,224 @@
           </a:p>
         </p:txBody>
       </p:sp>
+      <p:sp>
+        <p:nvSpPr>
+          <p:cNvPr id="5" name="Alcím 2"/>
+          <p:cNvSpPr txBox="1">
+            <a:spLocks/>
+          </p:cNvSpPr>
+          <p:nvPr/>
+        </p:nvSpPr>
+        <p:spPr>
+          <a:xfrm>
+            <a:off x="201319" y="2387600"/>
+            <a:ext cx="4721409" cy="1524000"/>
+          </a:xfrm>
+          <a:prstGeom prst="rect">
+            <a:avLst/>
+          </a:prstGeom>
+        </p:spPr>
+        <p:txBody>
+          <a:bodyPr vert="horz" lIns="91440" tIns="45720" rIns="91440" bIns="45720" rtlCol="0">
+            <a:normAutofit/>
+          </a:bodyPr>
+          <a:lstStyle>
+            <a:lvl1pPr marL="0" indent="0" algn="ctr" defTabSz="914400" rtl="0" eaLnBrk="1" latinLnBrk="0" hangingPunct="1">
+              <a:lnSpc>
+                <a:spcPct val="90000"/>
+              </a:lnSpc>
+              <a:spcBef>
+                <a:spcPts val="1000"/>
+              </a:spcBef>
+              <a:buFont typeface="Arial" panose="020B0604020202020204" pitchFamily="34" charset="0"/>
+              <a:buNone/>
+              <a:defRPr sz="2400" kern="1200">
+                <a:solidFill>
+                  <a:schemeClr val="tx1"/>
+                </a:solidFill>
+                <a:latin typeface="+mn-lt"/>
+                <a:ea typeface="+mn-ea"/>
+                <a:cs typeface="+mn-cs"/>
+              </a:defRPr>
+            </a:lvl1pPr>
+            <a:lvl2pPr marL="457200" indent="0" algn="ctr" defTabSz="914400" rtl="0" eaLnBrk="1" latinLnBrk="0" hangingPunct="1">
+              <a:lnSpc>
+                <a:spcPct val="90000"/>
+              </a:lnSpc>
+              <a:spcBef>
+                <a:spcPts val="500"/>
+              </a:spcBef>
+              <a:buFont typeface="Arial" panose="020B0604020202020204" pitchFamily="34" charset="0"/>
+              <a:buNone/>
+              <a:defRPr sz="2000" kern="1200">
+                <a:solidFill>
+                  <a:schemeClr val="tx1"/>
+                </a:solidFill>
+                <a:latin typeface="+mn-lt"/>
+                <a:ea typeface="+mn-ea"/>
+                <a:cs typeface="+mn-cs"/>
+              </a:defRPr>
+            </a:lvl2pPr>
+            <a:lvl3pPr marL="914400" indent="0" algn="ctr" defTabSz="914400" rtl="0" eaLnBrk="1" latinLnBrk="0" hangingPunct="1">
+              <a:lnSpc>
+                <a:spcPct val="90000"/>
+              </a:lnSpc>
+              <a:spcBef>
+                <a:spcPts val="500"/>
+              </a:spcBef>
+              <a:buFont typeface="Arial" panose="020B0604020202020204" pitchFamily="34" charset="0"/>
+              <a:buNone/>
+              <a:defRPr sz="1800" kern="1200">
+                <a:solidFill>
+                  <a:schemeClr val="tx1"/>
+                </a:solidFill>
+                <a:latin typeface="+mn-lt"/>
+                <a:ea typeface="+mn-ea"/>
+                <a:cs typeface="+mn-cs"/>
+              </a:defRPr>
+            </a:lvl3pPr>
+            <a:lvl4pPr marL="1371600" indent="0" algn="ctr" defTabSz="914400" rtl="0" eaLnBrk="1" latinLnBrk="0" hangingPunct="1">
+              <a:lnSpc>
+                <a:spcPct val="90000"/>
+              </a:lnSpc>
+              <a:spcBef>
+                <a:spcPts val="500"/>
+              </a:spcBef>
+              <a:buFont typeface="Arial" panose="020B0604020202020204" pitchFamily="34" charset="0"/>
+              <a:buNone/>
+              <a:defRPr sz="1600" kern="1200">
+                <a:solidFill>
+                  <a:schemeClr val="tx1"/>
+                </a:solidFill>
+                <a:latin typeface="+mn-lt"/>
+                <a:ea typeface="+mn-ea"/>
+                <a:cs typeface="+mn-cs"/>
+              </a:defRPr>
+            </a:lvl4pPr>
+            <a:lvl5pPr marL="1828800" indent="0" algn="ctr" defTabSz="914400" rtl="0" eaLnBrk="1" latinLnBrk="0" hangingPunct="1">
+              <a:lnSpc>
+                <a:spcPct val="90000"/>
+              </a:lnSpc>
+              <a:spcBef>
+                <a:spcPts val="500"/>
+              </a:spcBef>
+              <a:buFont typeface="Arial" panose="020B0604020202020204" pitchFamily="34" charset="0"/>
+              <a:buNone/>
+              <a:defRPr sz="1600" kern="1200">
+                <a:solidFill>
+                  <a:schemeClr val="tx1"/>
+                </a:solidFill>
+                <a:latin typeface="+mn-lt"/>
+                <a:ea typeface="+mn-ea"/>
+                <a:cs typeface="+mn-cs"/>
+              </a:defRPr>
+            </a:lvl5pPr>
+            <a:lvl6pPr marL="2286000" indent="0" algn="ctr" defTabSz="914400" rtl="0" eaLnBrk="1" latinLnBrk="0" hangingPunct="1">
+              <a:lnSpc>
+                <a:spcPct val="90000"/>
+              </a:lnSpc>
+              <a:spcBef>
+                <a:spcPts val="500"/>
+              </a:spcBef>
+              <a:buFont typeface="Arial" panose="020B0604020202020204" pitchFamily="34" charset="0"/>
+              <a:buNone/>
+              <a:defRPr sz="1600" kern="1200">
+                <a:solidFill>
+                  <a:schemeClr val="tx1"/>
+                </a:solidFill>
+                <a:latin typeface="+mn-lt"/>
+                <a:ea typeface="+mn-ea"/>
+                <a:cs typeface="+mn-cs"/>
+              </a:defRPr>
+            </a:lvl6pPr>
+            <a:lvl7pPr marL="2743200" indent="0" algn="ctr" defTabSz="914400" rtl="0" eaLnBrk="1" latinLnBrk="0" hangingPunct="1">
+              <a:lnSpc>
+                <a:spcPct val="90000"/>
+              </a:lnSpc>
+              <a:spcBef>
+                <a:spcPts val="500"/>
+              </a:spcBef>
+              <a:buFont typeface="Arial" panose="020B0604020202020204" pitchFamily="34" charset="0"/>
+              <a:buNone/>
+              <a:defRPr sz="1600" kern="1200">
+                <a:solidFill>
+                  <a:schemeClr val="tx1"/>
+                </a:solidFill>
+                <a:latin typeface="+mn-lt"/>
+                <a:ea typeface="+mn-ea"/>
+                <a:cs typeface="+mn-cs"/>
+              </a:defRPr>
+            </a:lvl7pPr>
+            <a:lvl8pPr marL="3200400" indent="0" algn="ctr" defTabSz="914400" rtl="0" eaLnBrk="1" latinLnBrk="0" hangingPunct="1">
+              <a:lnSpc>
+                <a:spcPct val="90000"/>
+              </a:lnSpc>
+              <a:spcBef>
+                <a:spcPts val="500"/>
+              </a:spcBef>
+              <a:buFont typeface="Arial" panose="020B0604020202020204" pitchFamily="34" charset="0"/>
+              <a:buNone/>
+              <a:defRPr sz="1600" kern="1200">
+                <a:solidFill>
+                  <a:schemeClr val="tx1"/>
+                </a:solidFill>
+                <a:latin typeface="+mn-lt"/>
+                <a:ea typeface="+mn-ea"/>
+                <a:cs typeface="+mn-cs"/>
+              </a:defRPr>
+            </a:lvl8pPr>
+            <a:lvl9pPr marL="3657600" indent="0" algn="ctr" defTabSz="914400" rtl="0" eaLnBrk="1" latinLnBrk="0" hangingPunct="1">
+              <a:lnSpc>
+                <a:spcPct val="90000"/>
+              </a:lnSpc>
+              <a:spcBef>
+                <a:spcPts val="500"/>
+              </a:spcBef>
+              <a:buFont typeface="Arial" panose="020B0604020202020204" pitchFamily="34" charset="0"/>
+              <a:buNone/>
+              <a:defRPr sz="1600" kern="1200">
+                <a:solidFill>
+                  <a:schemeClr val="tx1"/>
+                </a:solidFill>
+                <a:latin typeface="+mn-lt"/>
+                <a:ea typeface="+mn-ea"/>
+                <a:cs typeface="+mn-cs"/>
+              </a:defRPr>
+            </a:lvl9pPr>
+          </a:lstStyle>
+          <a:p>
+            <a:pPr marL="342900" indent="-342900" algn="l">
+              <a:buFont typeface="Arial" panose="020B0604020202020204" pitchFamily="34" charset="0"/>
+              <a:buChar char="•"/>
+            </a:pPr>
+            <a:r>
+              <a:rPr lang="hu-HU" dirty="0" smtClean="0">
+                <a:latin typeface="+mj-lt"/>
+              </a:rPr>
+              <a:t>Programtervező informatikus </a:t>
+            </a:r>
+            <a:r>
+              <a:rPr lang="hu-HU" dirty="0" err="1" smtClean="0">
+                <a:latin typeface="+mj-lt"/>
+              </a:rPr>
+              <a:t>BSc</a:t>
+            </a:r>
+            <a:endParaRPr lang="hu-HU" dirty="0" smtClean="0">
+              <a:latin typeface="+mj-lt"/>
+            </a:endParaRPr>
+          </a:p>
+        </p:txBody>
+      </p:sp>
       <p:pic>
         <p:nvPicPr>
-          <p:cNvPr id="4" name="Kép 3"/>
+          <p:cNvPr id="6" name="Kép 5"/>
           <p:cNvPicPr>
             <a:picLocks noChangeAspect="1"/>
           </p:cNvPicPr>
           <p:nvPr/>
         </p:nvPicPr>
         <p:blipFill>
-          <a:blip r:embed="rId2" cstate="print">
+          <a:blip r:embed="rId3" cstate="print">
             <a:extLst>
               <a:ext uri="{28A0092B-C50C-407E-A947-70E740481C1C}">
                 <a14:useLocalDpi xmlns:a14="http://schemas.microsoft.com/office/drawing/2010/main" val="0"/>
@@ -4200,222 +4582,14 @@
         </p:blipFill>
         <p:spPr>
           <a:xfrm>
-            <a:off x="5085568" y="1293491"/>
-            <a:ext cx="2179332" cy="2905776"/>
+            <a:off x="5141622" y="1422399"/>
+            <a:ext cx="3054311" cy="3033391"/>
           </a:xfrm>
           <a:prstGeom prst="rect">
             <a:avLst/>
           </a:prstGeom>
         </p:spPr>
       </p:pic>
-      <p:sp>
-        <p:nvSpPr>
-          <p:cNvPr id="5" name="Alcím 2"/>
-          <p:cNvSpPr txBox="1">
-            <a:spLocks/>
-          </p:cNvSpPr>
-          <p:nvPr/>
-        </p:nvSpPr>
-        <p:spPr>
-          <a:xfrm>
-            <a:off x="201319" y="2387600"/>
-            <a:ext cx="4721409" cy="1524000"/>
-          </a:xfrm>
-          <a:prstGeom prst="rect">
-            <a:avLst/>
-          </a:prstGeom>
-        </p:spPr>
-        <p:txBody>
-          <a:bodyPr vert="horz" lIns="91440" tIns="45720" rIns="91440" bIns="45720" rtlCol="0">
-            <a:normAutofit/>
-          </a:bodyPr>
-          <a:lstStyle>
-            <a:lvl1pPr marL="0" indent="0" algn="ctr" defTabSz="914400" rtl="0" eaLnBrk="1" latinLnBrk="0" hangingPunct="1">
-              <a:lnSpc>
-                <a:spcPct val="90000"/>
-              </a:lnSpc>
-              <a:spcBef>
-                <a:spcPts val="1000"/>
-              </a:spcBef>
-              <a:buFont typeface="Arial" panose="020B0604020202020204" pitchFamily="34" charset="0"/>
-              <a:buNone/>
-              <a:defRPr sz="2400" kern="1200">
-                <a:solidFill>
-                  <a:schemeClr val="tx1"/>
-                </a:solidFill>
-                <a:latin typeface="+mn-lt"/>
-                <a:ea typeface="+mn-ea"/>
-                <a:cs typeface="+mn-cs"/>
-              </a:defRPr>
-            </a:lvl1pPr>
-            <a:lvl2pPr marL="457200" indent="0" algn="ctr" defTabSz="914400" rtl="0" eaLnBrk="1" latinLnBrk="0" hangingPunct="1">
-              <a:lnSpc>
-                <a:spcPct val="90000"/>
-              </a:lnSpc>
-              <a:spcBef>
-                <a:spcPts val="500"/>
-              </a:spcBef>
-              <a:buFont typeface="Arial" panose="020B0604020202020204" pitchFamily="34" charset="0"/>
-              <a:buNone/>
-              <a:defRPr sz="2000" kern="1200">
-                <a:solidFill>
-                  <a:schemeClr val="tx1"/>
-                </a:solidFill>
-                <a:latin typeface="+mn-lt"/>
-                <a:ea typeface="+mn-ea"/>
-                <a:cs typeface="+mn-cs"/>
-              </a:defRPr>
-            </a:lvl2pPr>
-            <a:lvl3pPr marL="914400" indent="0" algn="ctr" defTabSz="914400" rtl="0" eaLnBrk="1" latinLnBrk="0" hangingPunct="1">
-              <a:lnSpc>
-                <a:spcPct val="90000"/>
-              </a:lnSpc>
-              <a:spcBef>
-                <a:spcPts val="500"/>
-              </a:spcBef>
-              <a:buFont typeface="Arial" panose="020B0604020202020204" pitchFamily="34" charset="0"/>
-              <a:buNone/>
-              <a:defRPr sz="1800" kern="1200">
-                <a:solidFill>
-                  <a:schemeClr val="tx1"/>
-                </a:solidFill>
-                <a:latin typeface="+mn-lt"/>
-                <a:ea typeface="+mn-ea"/>
-                <a:cs typeface="+mn-cs"/>
-              </a:defRPr>
-            </a:lvl3pPr>
-            <a:lvl4pPr marL="1371600" indent="0" algn="ctr" defTabSz="914400" rtl="0" eaLnBrk="1" latinLnBrk="0" hangingPunct="1">
-              <a:lnSpc>
-                <a:spcPct val="90000"/>
-              </a:lnSpc>
-              <a:spcBef>
-                <a:spcPts val="500"/>
-              </a:spcBef>
-              <a:buFont typeface="Arial" panose="020B0604020202020204" pitchFamily="34" charset="0"/>
-              <a:buNone/>
-              <a:defRPr sz="1600" kern="1200">
-                <a:solidFill>
-                  <a:schemeClr val="tx1"/>
-                </a:solidFill>
-                <a:latin typeface="+mn-lt"/>
-                <a:ea typeface="+mn-ea"/>
-                <a:cs typeface="+mn-cs"/>
-              </a:defRPr>
-            </a:lvl4pPr>
-            <a:lvl5pPr marL="1828800" indent="0" algn="ctr" defTabSz="914400" rtl="0" eaLnBrk="1" latinLnBrk="0" hangingPunct="1">
-              <a:lnSpc>
-                <a:spcPct val="90000"/>
-              </a:lnSpc>
-              <a:spcBef>
-                <a:spcPts val="500"/>
-              </a:spcBef>
-              <a:buFont typeface="Arial" panose="020B0604020202020204" pitchFamily="34" charset="0"/>
-              <a:buNone/>
-              <a:defRPr sz="1600" kern="1200">
-                <a:solidFill>
-                  <a:schemeClr val="tx1"/>
-                </a:solidFill>
-                <a:latin typeface="+mn-lt"/>
-                <a:ea typeface="+mn-ea"/>
-                <a:cs typeface="+mn-cs"/>
-              </a:defRPr>
-            </a:lvl5pPr>
-            <a:lvl6pPr marL="2286000" indent="0" algn="ctr" defTabSz="914400" rtl="0" eaLnBrk="1" latinLnBrk="0" hangingPunct="1">
-              <a:lnSpc>
-                <a:spcPct val="90000"/>
-              </a:lnSpc>
-              <a:spcBef>
-                <a:spcPts val="500"/>
-              </a:spcBef>
-              <a:buFont typeface="Arial" panose="020B0604020202020204" pitchFamily="34" charset="0"/>
-              <a:buNone/>
-              <a:defRPr sz="1600" kern="1200">
-                <a:solidFill>
-                  <a:schemeClr val="tx1"/>
-                </a:solidFill>
-                <a:latin typeface="+mn-lt"/>
-                <a:ea typeface="+mn-ea"/>
-                <a:cs typeface="+mn-cs"/>
-              </a:defRPr>
-            </a:lvl6pPr>
-            <a:lvl7pPr marL="2743200" indent="0" algn="ctr" defTabSz="914400" rtl="0" eaLnBrk="1" latinLnBrk="0" hangingPunct="1">
-              <a:lnSpc>
-                <a:spcPct val="90000"/>
-              </a:lnSpc>
-              <a:spcBef>
-                <a:spcPts val="500"/>
-              </a:spcBef>
-              <a:buFont typeface="Arial" panose="020B0604020202020204" pitchFamily="34" charset="0"/>
-              <a:buNone/>
-              <a:defRPr sz="1600" kern="1200">
-                <a:solidFill>
-                  <a:schemeClr val="tx1"/>
-                </a:solidFill>
-                <a:latin typeface="+mn-lt"/>
-                <a:ea typeface="+mn-ea"/>
-                <a:cs typeface="+mn-cs"/>
-              </a:defRPr>
-            </a:lvl7pPr>
-            <a:lvl8pPr marL="3200400" indent="0" algn="ctr" defTabSz="914400" rtl="0" eaLnBrk="1" latinLnBrk="0" hangingPunct="1">
-              <a:lnSpc>
-                <a:spcPct val="90000"/>
-              </a:lnSpc>
-              <a:spcBef>
-                <a:spcPts val="500"/>
-              </a:spcBef>
-              <a:buFont typeface="Arial" panose="020B0604020202020204" pitchFamily="34" charset="0"/>
-              <a:buNone/>
-              <a:defRPr sz="1600" kern="1200">
-                <a:solidFill>
-                  <a:schemeClr val="tx1"/>
-                </a:solidFill>
-                <a:latin typeface="+mn-lt"/>
-                <a:ea typeface="+mn-ea"/>
-                <a:cs typeface="+mn-cs"/>
-              </a:defRPr>
-            </a:lvl8pPr>
-            <a:lvl9pPr marL="3657600" indent="0" algn="ctr" defTabSz="914400" rtl="0" eaLnBrk="1" latinLnBrk="0" hangingPunct="1">
-              <a:lnSpc>
-                <a:spcPct val="90000"/>
-              </a:lnSpc>
-              <a:spcBef>
-                <a:spcPts val="500"/>
-              </a:spcBef>
-              <a:buFont typeface="Arial" panose="020B0604020202020204" pitchFamily="34" charset="0"/>
-              <a:buNone/>
-              <a:defRPr sz="1600" kern="1200">
-                <a:solidFill>
-                  <a:schemeClr val="tx1"/>
-                </a:solidFill>
-                <a:latin typeface="+mn-lt"/>
-                <a:ea typeface="+mn-ea"/>
-                <a:cs typeface="+mn-cs"/>
-              </a:defRPr>
-            </a:lvl9pPr>
-          </a:lstStyle>
-          <a:p>
-            <a:pPr marL="342900" indent="-342900" algn="l">
-              <a:buFont typeface="Arial" panose="020B0604020202020204" pitchFamily="34" charset="0"/>
-              <a:buChar char="•"/>
-            </a:pPr>
-            <a:r>
-              <a:rPr lang="hu-HU" dirty="0" smtClean="0">
-                <a:latin typeface="+mj-lt"/>
-              </a:rPr>
-              <a:t>Programtervező informatikus </a:t>
-            </a:r>
-            <a:r>
-              <a:rPr lang="hu-HU" dirty="0" err="1" smtClean="0">
-                <a:latin typeface="+mj-lt"/>
-              </a:rPr>
-              <a:t>BSc</a:t>
-            </a:r>
-            <a:endParaRPr lang="hu-HU" dirty="0" smtClean="0">
-              <a:latin typeface="+mj-lt"/>
-            </a:endParaRPr>
-          </a:p>
-        </p:txBody>
-      </p:sp>
     </p:spTree>
     <p:extLst>
       <p:ext uri="{BB962C8B-B14F-4D97-AF65-F5344CB8AC3E}">
@@ -4486,7 +4660,6 @@
               <a:rPr lang="hu-HU" sz="1800" dirty="0"/>
               <a:t>VENUE</a:t>
             </a:r>
-            <a:endParaRPr lang="hu-HU" sz="1800" dirty="0"/>
           </a:p>
         </p:txBody>
       </p:sp>
@@ -4859,7 +5032,6 @@
               <a:rPr lang="hu-HU" sz="1800" dirty="0"/>
               <a:t>VENUE</a:t>
             </a:r>
-            <a:endParaRPr lang="hu-HU" sz="1800" dirty="0"/>
           </a:p>
         </p:txBody>
       </p:sp>
@@ -5232,7 +5404,6 @@
               <a:rPr lang="hu-HU" sz="1800" dirty="0"/>
               <a:t>VENUE</a:t>
             </a:r>
-            <a:endParaRPr lang="hu-HU" sz="1800" dirty="0"/>
           </a:p>
         </p:txBody>
       </p:sp>
@@ -5650,7 +5821,6 @@
               <a:rPr lang="hu-HU" sz="1800" dirty="0"/>
               <a:t>VENUE</a:t>
             </a:r>
-            <a:endParaRPr lang="hu-HU" sz="1800" dirty="0"/>
           </a:p>
         </p:txBody>
       </p:sp>
@@ -5930,7 +6100,13 @@
               <a:rPr lang="hu-HU" dirty="0" smtClean="0">
                 <a:latin typeface="+mj-lt"/>
               </a:rPr>
-              <a:t>Profil kép választás</a:t>
+              <a:t>Profilkép </a:t>
+            </a:r>
+            <a:r>
+              <a:rPr lang="hu-HU" dirty="0" smtClean="0">
+                <a:latin typeface="+mj-lt"/>
+              </a:rPr>
+              <a:t>választás</a:t>
             </a:r>
           </a:p>
         </p:txBody>
@@ -6035,7 +6211,6 @@
               <a:rPr lang="hu-HU" sz="1800" dirty="0"/>
               <a:t>VENUE</a:t>
             </a:r>
-            <a:endParaRPr lang="hu-HU" sz="1800" dirty="0"/>
           </a:p>
         </p:txBody>
       </p:sp>
@@ -6658,7 +6833,6 @@
               <a:rPr lang="hu-HU" sz="1800" dirty="0"/>
               <a:t>VENUE</a:t>
             </a:r>
-            <a:endParaRPr lang="hu-HU" sz="1800" dirty="0"/>
           </a:p>
         </p:txBody>
       </p:sp>
@@ -7083,7 +7257,25 @@
               <a:rPr lang="hu-HU" dirty="0" smtClean="0">
                 <a:latin typeface="+mj-lt"/>
               </a:rPr>
-              <a:t>Szervezett munkafolyamat</a:t>
+              <a:t>Csapatmunka</a:t>
+            </a:r>
+          </a:p>
+          <a:p>
+            <a:pPr marL="342900" indent="-342900" algn="l">
+              <a:buFont typeface="Arial" panose="020B0604020202020204" pitchFamily="34" charset="0"/>
+              <a:buChar char="•"/>
+            </a:pPr>
+            <a:r>
+              <a:rPr lang="hu-HU" dirty="0" smtClean="0">
+                <a:latin typeface="+mj-lt"/>
+              </a:rPr>
+              <a:t>Szervezett </a:t>
+            </a:r>
+            <a:r>
+              <a:rPr lang="hu-HU" dirty="0" smtClean="0">
+                <a:latin typeface="+mj-lt"/>
+              </a:rPr>
+              <a:t>munkafolyamat</a:t>
             </a:r>
           </a:p>
           <a:p>
@@ -7097,18 +7289,9 @@
               </a:rPr>
               <a:t>KANBAN</a:t>
             </a:r>
-          </a:p>
-          <a:p>
-            <a:pPr marL="342900" indent="-342900" algn="l">
-              <a:buFont typeface="Arial" panose="020B0604020202020204" pitchFamily="34" charset="0"/>
-              <a:buChar char="•"/>
-            </a:pPr>
-            <a:r>
-              <a:rPr lang="hu-HU" dirty="0" smtClean="0">
-                <a:latin typeface="+mj-lt"/>
-              </a:rPr>
-              <a:t>Csapatmunka</a:t>
-            </a:r>
+            <a:endParaRPr lang="hu-HU" dirty="0" smtClean="0">
+              <a:latin typeface="+mj-lt"/>
+            </a:endParaRPr>
           </a:p>
           <a:p>
             <a:pPr marL="342900" indent="-342900" algn="l">
@@ -7121,9 +7304,6 @@
               </a:rPr>
               <a:t>Problémák közös megoldása</a:t>
             </a:r>
-            <a:endParaRPr lang="hu-HU" dirty="0" smtClean="0">
-              <a:latin typeface="+mj-lt"/>
-            </a:endParaRPr>
           </a:p>
         </p:txBody>
       </p:sp>
@@ -7999,15 +8179,6 @@
 </file>
 
 <file path=customXml/item2.xml><?xml version="1.0" encoding="utf-8"?>
-<?mso-contentType ?>
-<FormTemplates xmlns="http://schemas.microsoft.com/sharepoint/v3/contenttype/forms">
-  <Display>DocumentLibraryForm</Display>
-  <Edit>DocumentLibraryForm</Edit>
-  <New>DocumentLibraryForm</New>
-</FormTemplates>
-</file>
-
-<file path=customXml/item3.xml><?xml version="1.0" encoding="utf-8"?>
 <ct:contentTypeSchema xmlns:ct="http://schemas.microsoft.com/office/2006/metadata/contentType" xmlns:ma="http://schemas.microsoft.com/office/2006/metadata/properties/metaAttributes" ct:_="" ma:_="" ma:contentTypeName="Dokumentum" ma:contentTypeID="0x010100AC862C676857C24E8FC2D32B30708833" ma:contentTypeVersion="2" ma:contentTypeDescription="Új dokumentum létrehozása." ma:contentTypeScope="" ma:versionID="0d2981163f66270cf1daba8c3c407cc5">
   <xsd:schema xmlns:xsd="http://www.w3.org/2001/XMLSchema" xmlns:xs="http://www.w3.org/2001/XMLSchema" xmlns:p="http://schemas.microsoft.com/office/2006/metadata/properties" xmlns:ns2="9a324a02-be43-499b-8089-7896e70993e7" targetNamespace="http://schemas.microsoft.com/office/2006/metadata/properties" ma:root="true" ma:fieldsID="4ce273e9ed9981a51826152e27a7d1ee" ns2:_="">
     <xsd:import namespace="9a324a02-be43-499b-8089-7896e70993e7"/>
@@ -8155,6 +8326,15 @@
 </ct:contentTypeSchema>
 </file>
 
+<file path=customXml/item3.xml><?xml version="1.0" encoding="utf-8"?>
+<?mso-contentType ?>
+<FormTemplates xmlns="http://schemas.microsoft.com/sharepoint/v3/contenttype/forms">
+  <Display>DocumentLibraryForm</Display>
+  <Edit>DocumentLibraryForm</Edit>
+  <New>DocumentLibraryForm</New>
+</FormTemplates>
+</file>
+
 <file path=customXml/itemProps1.xml><?xml version="1.0" encoding="utf-8"?>
 <ds:datastoreItem xmlns:ds="http://schemas.openxmlformats.org/officeDocument/2006/customXml" ds:itemID="{8E1455B4-EFFE-4AEE-ADC2-FE51D16F6234}">
   <ds:schemaRefs>
@@ -8165,14 +8345,6 @@
 </file>
 
 <file path=customXml/itemProps2.xml><?xml version="1.0" encoding="utf-8"?>
-<ds:datastoreItem xmlns:ds="http://schemas.openxmlformats.org/officeDocument/2006/customXml" ds:itemID="{166AD069-051C-46FD-A0CD-BDE143FEA57D}">
-  <ds:schemaRefs>
-    <ds:schemaRef ds:uri="http://schemas.microsoft.com/sharepoint/v3/contenttype/forms"/>
-  </ds:schemaRefs>
-</ds:datastoreItem>
-</file>
-
-<file path=customXml/itemProps3.xml><?xml version="1.0" encoding="utf-8"?>
 <ds:datastoreItem xmlns:ds="http://schemas.openxmlformats.org/officeDocument/2006/customXml" ds:itemID="{37D0467E-9D91-4319-91FD-90E168EBF15D}">
   <ds:schemaRefs>
     <ds:schemaRef ds:uri="http://schemas.microsoft.com/office/2006/metadata/contentType"/>
@@ -8188,4 +8360,12 @@
     <ds:schemaRef ds:uri="http://schemas.microsoft.com/internal/obd"/>
   </ds:schemaRefs>
 </ds:datastoreItem>
+</file>
+
+<file path=customXml/itemProps3.xml><?xml version="1.0" encoding="utf-8"?>
+<ds:datastoreItem xmlns:ds="http://schemas.openxmlformats.org/officeDocument/2006/customXml" ds:itemID="{166AD069-051C-46FD-A0CD-BDE143FEA57D}">
+  <ds:schemaRefs>
+    <ds:schemaRef ds:uri="http://schemas.microsoft.com/sharepoint/v3/contenttype/forms"/>
+  </ds:schemaRefs>
+</ds:datastoreItem>
 </file>